--- a/docs/diagrams/UiComponentClassDiagram.pptx
+++ b/docs/diagrams/UiComponentClassDiagram.pptx
@@ -5,11 +5,10 @@
     <p:sldMasterId id="2147483648" r:id="rId1"/>
   </p:sldMasterIdLst>
   <p:notesMasterIdLst>
-    <p:notesMasterId r:id="rId4"/>
+    <p:notesMasterId r:id="rId3"/>
   </p:notesMasterIdLst>
   <p:sldIdLst>
     <p:sldId id="260" r:id="rId2"/>
-    <p:sldId id="261" r:id="rId3"/>
   </p:sldIdLst>
   <p:sldSz cx="9144000" cy="6858000" type="screen4x3"/>
   <p:notesSz cx="6858000" cy="9144000"/>
@@ -176,7 +175,7 @@
             </a:lvl1pPr>
           </a:lstStyle>
           <a:p>
-            <a:endParaRPr lang="en-US" dirty="0"/>
+            <a:endParaRPr lang="en-US"/>
           </a:p>
         </p:txBody>
       </p:sp>
@@ -209,9 +208,9 @@
           <a:p>
             <a:fld id="{F5CC4B3F-88C1-4FFA-B1B6-F41C21DC6924}" type="datetimeFigureOut">
               <a:rPr lang="en-US" smtClean="0"/>
-              <a:t>11/7/18</a:t>
+              <a:t>12/15/2018</a:t>
             </a:fld>
-            <a:endParaRPr lang="en-US" dirty="0"/>
+            <a:endParaRPr lang="en-US"/>
           </a:p>
         </p:txBody>
       </p:sp>
@@ -244,7 +243,7 @@
           <a:bodyPr vert="horz" lIns="91440" tIns="45720" rIns="91440" bIns="45720" rtlCol="0" anchor="ctr"/>
           <a:lstStyle/>
           <a:p>
-            <a:endParaRPr lang="en-US" dirty="0"/>
+            <a:endParaRPr lang="en-US"/>
           </a:p>
         </p:txBody>
       </p:sp>
@@ -334,7 +333,7 @@
             </a:lvl1pPr>
           </a:lstStyle>
           <a:p>
-            <a:endParaRPr lang="en-US" dirty="0"/>
+            <a:endParaRPr lang="en-US"/>
           </a:p>
         </p:txBody>
       </p:sp>
@@ -369,7 +368,7 @@
               <a:rPr lang="en-US" smtClean="0"/>
               <a:t>‹#›</a:t>
             </a:fld>
-            <a:endParaRPr lang="en-US" dirty="0"/>
+            <a:endParaRPr lang="en-US"/>
           </a:p>
         </p:txBody>
       </p:sp>
@@ -476,90 +475,6 @@
 </p:notesMaster>
 </file>
 
-<file path=ppt/notesSlides/notesSlide1.xml><?xml version="1.0" encoding="utf-8"?>
-<p:notes xmlns:a="http://schemas.openxmlformats.org/drawingml/2006/main" xmlns:r="http://schemas.openxmlformats.org/officeDocument/2006/relationships" xmlns:p="http://schemas.openxmlformats.org/presentationml/2006/main">
-  <p:cSld>
-    <p:spTree>
-      <p:nvGrpSpPr>
-        <p:cNvPr id="1" name=""/>
-        <p:cNvGrpSpPr/>
-        <p:nvPr/>
-      </p:nvGrpSpPr>
-      <p:grpSpPr>
-        <a:xfrm>
-          <a:off x="0" y="0"/>
-          <a:ext cx="0" cy="0"/>
-          <a:chOff x="0" y="0"/>
-          <a:chExt cx="0" cy="0"/>
-        </a:xfrm>
-      </p:grpSpPr>
-      <p:sp>
-        <p:nvSpPr>
-          <p:cNvPr id="2" name="Slide Image Placeholder 1"/>
-          <p:cNvSpPr>
-            <a:spLocks noGrp="1" noRot="1" noChangeAspect="1"/>
-          </p:cNvSpPr>
-          <p:nvPr>
-            <p:ph type="sldImg"/>
-          </p:nvPr>
-        </p:nvSpPr>
-        <p:spPr/>
-      </p:sp>
-      <p:sp>
-        <p:nvSpPr>
-          <p:cNvPr id="3" name="Notes Placeholder 2"/>
-          <p:cNvSpPr>
-            <a:spLocks noGrp="1"/>
-          </p:cNvSpPr>
-          <p:nvPr>
-            <p:ph type="body" idx="1"/>
-          </p:nvPr>
-        </p:nvSpPr>
-        <p:spPr/>
-        <p:txBody>
-          <a:bodyPr/>
-          <a:lstStyle/>
-          <a:p>
-            <a:endParaRPr lang="en-US" dirty="0"/>
-          </a:p>
-        </p:txBody>
-      </p:sp>
-      <p:sp>
-        <p:nvSpPr>
-          <p:cNvPr id="4" name="Slide Number Placeholder 3"/>
-          <p:cNvSpPr>
-            <a:spLocks noGrp="1"/>
-          </p:cNvSpPr>
-          <p:nvPr>
-            <p:ph type="sldNum" sz="quarter" idx="10"/>
-          </p:nvPr>
-        </p:nvSpPr>
-        <p:spPr/>
-        <p:txBody>
-          <a:bodyPr/>
-          <a:lstStyle/>
-          <a:p>
-            <a:fld id="{5A7AB025-77E3-4BD1-A2FD-B3183DBA47A3}" type="slidenum">
-              <a:rPr lang="en-US" smtClean="0"/>
-              <a:t>2</a:t>
-            </a:fld>
-            <a:endParaRPr lang="en-US" dirty="0"/>
-          </a:p>
-        </p:txBody>
-      </p:sp>
-    </p:spTree>
-    <p:extLst>
-      <p:ext uri="{BB962C8B-B14F-4D97-AF65-F5344CB8AC3E}">
-        <p14:creationId xmlns:p14="http://schemas.microsoft.com/office/powerpoint/2010/main" val="1950009199"/>
-      </p:ext>
-    </p:extLst>
-  </p:cSld>
-  <p:clrMapOvr>
-    <a:masterClrMapping/>
-  </p:clrMapOvr>
-</p:notes>
-</file>
-
 <file path=ppt/slideLayouts/slideLayout1.xml><?xml version="1.0" encoding="utf-8"?>
 <p:sldLayout xmlns:a="http://schemas.openxmlformats.org/drawingml/2006/main" xmlns:r="http://schemas.openxmlformats.org/officeDocument/2006/relationships" xmlns:p="http://schemas.openxmlformats.org/presentationml/2006/main" type="title" preserve="1">
   <p:cSld name="Title Slide">
@@ -739,9 +654,9 @@
           <a:p>
             <a:fld id="{78C97017-6FC3-485B-9764-EAC9E56C1D49}" type="datetimeFigureOut">
               <a:rPr lang="en-US" smtClean="0"/>
-              <a:t>11/7/18</a:t>
+              <a:t>12/15/2018</a:t>
             </a:fld>
-            <a:endParaRPr lang="en-US" dirty="0"/>
+            <a:endParaRPr lang="en-US"/>
           </a:p>
         </p:txBody>
       </p:sp>
@@ -760,7 +675,7 @@
           <a:bodyPr/>
           <a:lstStyle/>
           <a:p>
-            <a:endParaRPr lang="en-US" dirty="0"/>
+            <a:endParaRPr lang="en-US"/>
           </a:p>
         </p:txBody>
       </p:sp>
@@ -783,7 +698,7 @@
               <a:rPr lang="en-US" smtClean="0"/>
               <a:t>‹#›</a:t>
             </a:fld>
-            <a:endParaRPr lang="en-US" dirty="0"/>
+            <a:endParaRPr lang="en-US"/>
           </a:p>
         </p:txBody>
       </p:sp>
@@ -907,9 +822,9 @@
           <a:p>
             <a:fld id="{78C97017-6FC3-485B-9764-EAC9E56C1D49}" type="datetimeFigureOut">
               <a:rPr lang="en-US" smtClean="0"/>
-              <a:t>11/7/18</a:t>
+              <a:t>12/15/2018</a:t>
             </a:fld>
-            <a:endParaRPr lang="en-US" dirty="0"/>
+            <a:endParaRPr lang="en-US"/>
           </a:p>
         </p:txBody>
       </p:sp>
@@ -928,7 +843,7 @@
           <a:bodyPr/>
           <a:lstStyle/>
           <a:p>
-            <a:endParaRPr lang="en-US" dirty="0"/>
+            <a:endParaRPr lang="en-US"/>
           </a:p>
         </p:txBody>
       </p:sp>
@@ -951,7 +866,7 @@
               <a:rPr lang="en-US" smtClean="0"/>
               <a:t>‹#›</a:t>
             </a:fld>
-            <a:endParaRPr lang="en-US" dirty="0"/>
+            <a:endParaRPr lang="en-US"/>
           </a:p>
         </p:txBody>
       </p:sp>
@@ -1085,9 +1000,9 @@
           <a:p>
             <a:fld id="{78C97017-6FC3-485B-9764-EAC9E56C1D49}" type="datetimeFigureOut">
               <a:rPr lang="en-US" smtClean="0"/>
-              <a:t>11/7/18</a:t>
+              <a:t>12/15/2018</a:t>
             </a:fld>
-            <a:endParaRPr lang="en-US" dirty="0"/>
+            <a:endParaRPr lang="en-US"/>
           </a:p>
         </p:txBody>
       </p:sp>
@@ -1106,7 +1021,7 @@
           <a:bodyPr/>
           <a:lstStyle/>
           <a:p>
-            <a:endParaRPr lang="en-US" dirty="0"/>
+            <a:endParaRPr lang="en-US"/>
           </a:p>
         </p:txBody>
       </p:sp>
@@ -1129,7 +1044,7 @@
               <a:rPr lang="en-US" smtClean="0"/>
               <a:t>‹#›</a:t>
             </a:fld>
-            <a:endParaRPr lang="en-US" dirty="0"/>
+            <a:endParaRPr lang="en-US"/>
           </a:p>
         </p:txBody>
       </p:sp>
@@ -1253,9 +1168,9 @@
           <a:p>
             <a:fld id="{78C97017-6FC3-485B-9764-EAC9E56C1D49}" type="datetimeFigureOut">
               <a:rPr lang="en-US" smtClean="0"/>
-              <a:t>11/7/18</a:t>
+              <a:t>12/15/2018</a:t>
             </a:fld>
-            <a:endParaRPr lang="en-US" dirty="0"/>
+            <a:endParaRPr lang="en-US"/>
           </a:p>
         </p:txBody>
       </p:sp>
@@ -1274,7 +1189,7 @@
           <a:bodyPr/>
           <a:lstStyle/>
           <a:p>
-            <a:endParaRPr lang="en-US" dirty="0"/>
+            <a:endParaRPr lang="en-US"/>
           </a:p>
         </p:txBody>
       </p:sp>
@@ -1297,7 +1212,7 @@
               <a:rPr lang="en-US" smtClean="0"/>
               <a:t>‹#›</a:t>
             </a:fld>
-            <a:endParaRPr lang="en-US" dirty="0"/>
+            <a:endParaRPr lang="en-US"/>
           </a:p>
         </p:txBody>
       </p:sp>
@@ -1498,9 +1413,9 @@
           <a:p>
             <a:fld id="{78C97017-6FC3-485B-9764-EAC9E56C1D49}" type="datetimeFigureOut">
               <a:rPr lang="en-US" smtClean="0"/>
-              <a:t>11/7/18</a:t>
+              <a:t>12/15/2018</a:t>
             </a:fld>
-            <a:endParaRPr lang="en-US" dirty="0"/>
+            <a:endParaRPr lang="en-US"/>
           </a:p>
         </p:txBody>
       </p:sp>
@@ -1519,7 +1434,7 @@
           <a:bodyPr/>
           <a:lstStyle/>
           <a:p>
-            <a:endParaRPr lang="en-US" dirty="0"/>
+            <a:endParaRPr lang="en-US"/>
           </a:p>
         </p:txBody>
       </p:sp>
@@ -1542,7 +1457,7 @@
               <a:rPr lang="en-US" smtClean="0"/>
               <a:t>‹#›</a:t>
             </a:fld>
-            <a:endParaRPr lang="en-US" dirty="0"/>
+            <a:endParaRPr lang="en-US"/>
           </a:p>
         </p:txBody>
       </p:sp>
@@ -1783,9 +1698,9 @@
           <a:p>
             <a:fld id="{78C97017-6FC3-485B-9764-EAC9E56C1D49}" type="datetimeFigureOut">
               <a:rPr lang="en-US" smtClean="0"/>
-              <a:t>11/7/18</a:t>
+              <a:t>12/15/2018</a:t>
             </a:fld>
-            <a:endParaRPr lang="en-US" dirty="0"/>
+            <a:endParaRPr lang="en-US"/>
           </a:p>
         </p:txBody>
       </p:sp>
@@ -1804,7 +1719,7 @@
           <a:bodyPr/>
           <a:lstStyle/>
           <a:p>
-            <a:endParaRPr lang="en-US" dirty="0"/>
+            <a:endParaRPr lang="en-US"/>
           </a:p>
         </p:txBody>
       </p:sp>
@@ -1827,7 +1742,7 @@
               <a:rPr lang="en-US" smtClean="0"/>
               <a:t>‹#›</a:t>
             </a:fld>
-            <a:endParaRPr lang="en-US" dirty="0"/>
+            <a:endParaRPr lang="en-US"/>
           </a:p>
         </p:txBody>
       </p:sp>
@@ -2202,9 +2117,9 @@
           <a:p>
             <a:fld id="{78C97017-6FC3-485B-9764-EAC9E56C1D49}" type="datetimeFigureOut">
               <a:rPr lang="en-US" smtClean="0"/>
-              <a:t>11/7/18</a:t>
+              <a:t>12/15/2018</a:t>
             </a:fld>
-            <a:endParaRPr lang="en-US" dirty="0"/>
+            <a:endParaRPr lang="en-US"/>
           </a:p>
         </p:txBody>
       </p:sp>
@@ -2223,7 +2138,7 @@
           <a:bodyPr/>
           <a:lstStyle/>
           <a:p>
-            <a:endParaRPr lang="en-US" dirty="0"/>
+            <a:endParaRPr lang="en-US"/>
           </a:p>
         </p:txBody>
       </p:sp>
@@ -2246,7 +2161,7 @@
               <a:rPr lang="en-US" smtClean="0"/>
               <a:t>‹#›</a:t>
             </a:fld>
-            <a:endParaRPr lang="en-US" dirty="0"/>
+            <a:endParaRPr lang="en-US"/>
           </a:p>
         </p:txBody>
       </p:sp>
@@ -2319,9 +2234,9 @@
           <a:p>
             <a:fld id="{78C97017-6FC3-485B-9764-EAC9E56C1D49}" type="datetimeFigureOut">
               <a:rPr lang="en-US" smtClean="0"/>
-              <a:t>11/7/18</a:t>
+              <a:t>12/15/2018</a:t>
             </a:fld>
-            <a:endParaRPr lang="en-US" dirty="0"/>
+            <a:endParaRPr lang="en-US"/>
           </a:p>
         </p:txBody>
       </p:sp>
@@ -2340,7 +2255,7 @@
           <a:bodyPr/>
           <a:lstStyle/>
           <a:p>
-            <a:endParaRPr lang="en-US" dirty="0"/>
+            <a:endParaRPr lang="en-US"/>
           </a:p>
         </p:txBody>
       </p:sp>
@@ -2363,7 +2278,7 @@
               <a:rPr lang="en-US" smtClean="0"/>
               <a:t>‹#›</a:t>
             </a:fld>
-            <a:endParaRPr lang="en-US" dirty="0"/>
+            <a:endParaRPr lang="en-US"/>
           </a:p>
         </p:txBody>
       </p:sp>
@@ -2414,9 +2329,9 @@
           <a:p>
             <a:fld id="{78C97017-6FC3-485B-9764-EAC9E56C1D49}" type="datetimeFigureOut">
               <a:rPr lang="en-US" smtClean="0"/>
-              <a:t>11/7/18</a:t>
+              <a:t>12/15/2018</a:t>
             </a:fld>
-            <a:endParaRPr lang="en-US" dirty="0"/>
+            <a:endParaRPr lang="en-US"/>
           </a:p>
         </p:txBody>
       </p:sp>
@@ -2435,7 +2350,7 @@
           <a:bodyPr/>
           <a:lstStyle/>
           <a:p>
-            <a:endParaRPr lang="en-US" dirty="0"/>
+            <a:endParaRPr lang="en-US"/>
           </a:p>
         </p:txBody>
       </p:sp>
@@ -2458,7 +2373,7 @@
               <a:rPr lang="en-US" smtClean="0"/>
               <a:t>‹#›</a:t>
             </a:fld>
-            <a:endParaRPr lang="en-US" dirty="0"/>
+            <a:endParaRPr lang="en-US"/>
           </a:p>
         </p:txBody>
       </p:sp>
@@ -2689,9 +2604,9 @@
           <a:p>
             <a:fld id="{78C97017-6FC3-485B-9764-EAC9E56C1D49}" type="datetimeFigureOut">
               <a:rPr lang="en-US" smtClean="0"/>
-              <a:t>11/7/18</a:t>
+              <a:t>12/15/2018</a:t>
             </a:fld>
-            <a:endParaRPr lang="en-US" dirty="0"/>
+            <a:endParaRPr lang="en-US"/>
           </a:p>
         </p:txBody>
       </p:sp>
@@ -2710,7 +2625,7 @@
           <a:bodyPr/>
           <a:lstStyle/>
           <a:p>
-            <a:endParaRPr lang="en-US" dirty="0"/>
+            <a:endParaRPr lang="en-US"/>
           </a:p>
         </p:txBody>
       </p:sp>
@@ -2733,7 +2648,7 @@
               <a:rPr lang="en-US" smtClean="0"/>
               <a:t>‹#›</a:t>
             </a:fld>
-            <a:endParaRPr lang="en-US" dirty="0"/>
+            <a:endParaRPr lang="en-US"/>
           </a:p>
         </p:txBody>
       </p:sp>
@@ -2855,7 +2770,7 @@
             </a:lvl9pPr>
           </a:lstStyle>
           <a:p>
-            <a:endParaRPr lang="en-US" dirty="0"/>
+            <a:endParaRPr lang="en-US"/>
           </a:p>
         </p:txBody>
       </p:sp>
@@ -2941,9 +2856,9 @@
           <a:p>
             <a:fld id="{78C97017-6FC3-485B-9764-EAC9E56C1D49}" type="datetimeFigureOut">
               <a:rPr lang="en-US" smtClean="0"/>
-              <a:t>11/7/18</a:t>
+              <a:t>12/15/2018</a:t>
             </a:fld>
-            <a:endParaRPr lang="en-US" dirty="0"/>
+            <a:endParaRPr lang="en-US"/>
           </a:p>
         </p:txBody>
       </p:sp>
@@ -2962,7 +2877,7 @@
           <a:bodyPr/>
           <a:lstStyle/>
           <a:p>
-            <a:endParaRPr lang="en-US" dirty="0"/>
+            <a:endParaRPr lang="en-US"/>
           </a:p>
         </p:txBody>
       </p:sp>
@@ -2985,7 +2900,7 @@
               <a:rPr lang="en-US" smtClean="0"/>
               <a:t>‹#›</a:t>
             </a:fld>
-            <a:endParaRPr lang="en-US" dirty="0"/>
+            <a:endParaRPr lang="en-US"/>
           </a:p>
         </p:txBody>
       </p:sp>
@@ -3152,9 +3067,9 @@
           <a:p>
             <a:fld id="{78C97017-6FC3-485B-9764-EAC9E56C1D49}" type="datetimeFigureOut">
               <a:rPr lang="en-US" smtClean="0"/>
-              <a:t>11/7/18</a:t>
+              <a:t>12/15/2018</a:t>
             </a:fld>
-            <a:endParaRPr lang="en-US" dirty="0"/>
+            <a:endParaRPr lang="en-US"/>
           </a:p>
         </p:txBody>
       </p:sp>
@@ -3191,7 +3106,7 @@
             </a:lvl1pPr>
           </a:lstStyle>
           <a:p>
-            <a:endParaRPr lang="en-US" dirty="0"/>
+            <a:endParaRPr lang="en-US"/>
           </a:p>
         </p:txBody>
       </p:sp>
@@ -3232,7 +3147,7 @@
               <a:rPr lang="en-US" smtClean="0"/>
               <a:t>‹#›</a:t>
             </a:fld>
-            <a:endParaRPr lang="en-US" dirty="0"/>
+            <a:endParaRPr lang="en-US"/>
           </a:p>
         </p:txBody>
       </p:sp>
@@ -3630,7 +3545,7 @@
           <a:p>
             <a:pPr algn="ctr"/>
             <a:r>
-              <a:rPr lang="en-US" sz="1050" b="1" dirty="0">
+              <a:rPr lang="en-US" sz="1050" b="1" dirty="0" err="1">
                 <a:solidFill>
                   <a:schemeClr val="accent3">
                     <a:lumMod val="75000"/>
@@ -3690,7 +3605,7 @@
           <a:p>
             <a:pPr algn="ctr"/>
             <a:r>
-              <a:rPr lang="en-US" sz="1050" b="1" dirty="0">
+              <a:rPr lang="en-US" sz="1050" b="1" dirty="0" err="1">
                 <a:solidFill>
                   <a:schemeClr val="accent3">
                     <a:lumMod val="75000"/>
@@ -3753,7 +3668,7 @@
           <a:p>
             <a:pPr algn="ctr"/>
             <a:r>
-              <a:rPr lang="en-US" sz="1050" dirty="0">
+              <a:rPr lang="en-US" sz="1050" dirty="0" err="1">
                 <a:solidFill>
                   <a:schemeClr val="bg1"/>
                 </a:solidFill>
@@ -3851,7 +3766,7 @@
           <a:lstStyle/>
           <a:p>
             <a:pPr algn="ctr"/>
-            <a:endParaRPr lang="en-SG" sz="1050" b="1" dirty="0">
+            <a:endParaRPr lang="en-SG" sz="1050" b="1">
               <a:solidFill>
                 <a:srgbClr val="92D050"/>
               </a:solidFill>
@@ -4063,7 +3978,7 @@
           <a:p>
             <a:pPr algn="ctr"/>
             <a:r>
-              <a:rPr lang="en-US" sz="1050" b="1" dirty="0">
+              <a:rPr lang="en-US" sz="1050" b="1" dirty="0" err="1">
                 <a:solidFill>
                   <a:schemeClr val="accent3">
                     <a:lumMod val="75000"/>
@@ -4123,7 +4038,7 @@
           <a:p>
             <a:pPr algn="ctr"/>
             <a:r>
-              <a:rPr lang="en-US" sz="1050" b="1" err="1">
+              <a:rPr lang="en-US" sz="1050" b="1" dirty="0" err="1">
                 <a:solidFill>
                   <a:schemeClr val="accent3">
                     <a:lumMod val="75000"/>
@@ -4132,7 +4047,7 @@
               </a:rPr>
               <a:t>PersonListPanel</a:t>
             </a:r>
-            <a:endParaRPr lang="en-SG" sz="1050" b="1">
+            <a:endParaRPr lang="en-SG" sz="1050" b="1" dirty="0">
               <a:solidFill>
                 <a:schemeClr val="accent3">
                   <a:lumMod val="75000"/>
@@ -4183,7 +4098,7 @@
           <a:p>
             <a:pPr algn="ctr"/>
             <a:r>
-              <a:rPr lang="en-US" sz="1050" b="1" err="1">
+              <a:rPr lang="en-US" sz="1050" b="1" dirty="0" err="1">
                 <a:solidFill>
                   <a:schemeClr val="accent3">
                     <a:lumMod val="75000"/>
@@ -4192,7 +4107,7 @@
               </a:rPr>
               <a:t>PersonCard</a:t>
             </a:r>
-            <a:endParaRPr lang="en-SG" sz="1050" b="1">
+            <a:endParaRPr lang="en-SG" sz="1050" b="1" dirty="0">
               <a:solidFill>
                 <a:schemeClr val="accent3">
                   <a:lumMod val="75000"/>
@@ -4243,7 +4158,7 @@
           <a:p>
             <a:pPr algn="ctr"/>
             <a:r>
-              <a:rPr lang="en-US" sz="1050" b="1" dirty="0">
+              <a:rPr lang="en-US" sz="1050" b="1" dirty="0" err="1">
                 <a:solidFill>
                   <a:schemeClr val="accent3">
                     <a:lumMod val="75000"/>
@@ -4392,7 +4307,7 @@
           <a:p>
             <a:pPr algn="ctr"/>
             <a:r>
-              <a:rPr lang="en-US" sz="1050" b="1" dirty="0">
+              <a:rPr lang="en-US" sz="1050" b="1" dirty="0" err="1">
                 <a:solidFill>
                   <a:schemeClr val="accent3">
                     <a:lumMod val="75000"/>
@@ -4634,7 +4549,7 @@
               </a:rPr>
             </a:br>
             <a:r>
-              <a:rPr lang="en-US" sz="1050" b="1" dirty="0">
+              <a:rPr lang="en-US" sz="1050" b="1" dirty="0" err="1">
                 <a:solidFill>
                   <a:schemeClr val="accent3">
                     <a:lumMod val="75000"/>
@@ -4985,14 +4900,14 @@
           <a:p>
             <a:pPr algn="ctr"/>
             <a:r>
-              <a:rPr lang="en-US" sz="1100" b="1">
+              <a:rPr lang="en-US" sz="1100" b="1" dirty="0">
                 <a:solidFill>
                   <a:schemeClr val="bg1"/>
                 </a:solidFill>
               </a:rPr>
               <a:t>Model</a:t>
             </a:r>
-            <a:endParaRPr lang="en-SG" sz="1100" b="1">
+            <a:endParaRPr lang="en-SG" sz="1100" b="1" dirty="0">
               <a:solidFill>
                 <a:schemeClr val="bg1"/>
               </a:solidFill>
@@ -5055,7 +4970,7 @@
           <a:p>
             <a:pPr algn="ctr"/>
             <a:r>
-              <a:rPr lang="en-US" sz="1050" dirty="0">
+              <a:rPr lang="en-US" sz="1050" dirty="0" err="1">
                 <a:solidFill>
                   <a:schemeClr val="bg1"/>
                 </a:solidFill>
@@ -5332,7 +5247,7 @@
         </p:nvSpPr>
         <p:spPr>
           <a:xfrm>
-            <a:off x="5435896" y="2743200"/>
+            <a:off x="5422048" y="2339335"/>
             <a:ext cx="229325" cy="166560"/>
           </a:xfrm>
           <a:prstGeom prst="rect">
@@ -5385,8 +5300,8 @@
         </p:nvSpPr>
         <p:spPr>
           <a:xfrm>
-            <a:off x="3687515" y="2828802"/>
-            <a:ext cx="3048000" cy="203200"/>
+            <a:off x="3186477" y="2405681"/>
+            <a:ext cx="3537529" cy="45719"/>
           </a:xfrm>
           <a:custGeom>
             <a:avLst/>
@@ -5598,3164 +5513,6 @@
     <p:extLst>
       <p:ext uri="{BB962C8B-B14F-4D97-AF65-F5344CB8AC3E}">
         <p14:creationId xmlns:p14="http://schemas.microsoft.com/office/powerpoint/2010/main" val="2776882492"/>
-      </p:ext>
-    </p:extLst>
-  </p:cSld>
-  <p:clrMapOvr>
-    <a:masterClrMapping/>
-  </p:clrMapOvr>
-</p:sld>
-</file>
-
-<file path=ppt/slides/slide2.xml><?xml version="1.0" encoding="utf-8"?>
-<p:sld xmlns:a="http://schemas.openxmlformats.org/drawingml/2006/main" xmlns:r="http://schemas.openxmlformats.org/officeDocument/2006/relationships" xmlns:p="http://schemas.openxmlformats.org/presentationml/2006/main">
-  <p:cSld>
-    <p:spTree>
-      <p:nvGrpSpPr>
-        <p:cNvPr id="1" name=""/>
-        <p:cNvGrpSpPr/>
-        <p:nvPr/>
-      </p:nvGrpSpPr>
-      <p:grpSpPr>
-        <a:xfrm>
-          <a:off x="0" y="0"/>
-          <a:ext cx="0" cy="0"/>
-          <a:chOff x="0" y="0"/>
-          <a:chExt cx="0" cy="0"/>
-        </a:xfrm>
-      </p:grpSpPr>
-      <p:sp>
-        <p:nvSpPr>
-          <p:cNvPr id="23" name="Rectangle 65"/>
-          <p:cNvSpPr/>
-          <p:nvPr/>
-        </p:nvSpPr>
-        <p:spPr>
-          <a:xfrm>
-            <a:off x="1217465" y="1447800"/>
-            <a:ext cx="5335735" cy="4419600"/>
-          </a:xfrm>
-          <a:prstGeom prst="roundRect">
-            <a:avLst>
-              <a:gd name="adj" fmla="val 3484"/>
-            </a:avLst>
-          </a:prstGeom>
-          <a:solidFill>
-            <a:srgbClr val="F1F5E9"/>
-          </a:solidFill>
-          <a:ln w="19050">
-            <a:noFill/>
-          </a:ln>
-          <a:effectLst/>
-        </p:spPr>
-        <p:style>
-          <a:lnRef idx="1">
-            <a:schemeClr val="accent2"/>
-          </a:lnRef>
-          <a:fillRef idx="2">
-            <a:schemeClr val="accent2"/>
-          </a:fillRef>
-          <a:effectRef idx="1">
-            <a:schemeClr val="accent2"/>
-          </a:effectRef>
-          <a:fontRef idx="minor">
-            <a:schemeClr val="dk1"/>
-          </a:fontRef>
-        </p:style>
-        <p:txBody>
-          <a:bodyPr rtlCol="0" anchor="t"/>
-          <a:lstStyle/>
-          <a:p>
-            <a:r>
-              <a:rPr lang="en-US" sz="1200" b="1" dirty="0">
-                <a:solidFill>
-                  <a:schemeClr val="accent3">
-                    <a:lumMod val="75000"/>
-                  </a:schemeClr>
-                </a:solidFill>
-              </a:rPr>
-              <a:t>UI</a:t>
-            </a:r>
-            <a:endParaRPr lang="en-SG" sz="1200" b="1" dirty="0">
-              <a:solidFill>
-                <a:schemeClr val="accent3">
-                  <a:lumMod val="75000"/>
-                </a:schemeClr>
-              </a:solidFill>
-            </a:endParaRPr>
-          </a:p>
-        </p:txBody>
-      </p:sp>
-      <p:sp>
-        <p:nvSpPr>
-          <p:cNvPr id="2" name="Rectangle 8"/>
-          <p:cNvSpPr/>
-          <p:nvPr/>
-        </p:nvSpPr>
-        <p:spPr>
-          <a:xfrm>
-            <a:off x="2095948" y="2341220"/>
-            <a:ext cx="1093635" cy="346760"/>
-          </a:xfrm>
-          <a:prstGeom prst="rect">
-            <a:avLst/>
-          </a:prstGeom>
-          <a:ln w="19050">
-            <a:solidFill>
-              <a:schemeClr val="accent3"/>
-            </a:solidFill>
-          </a:ln>
-          <a:effectLst/>
-        </p:spPr>
-        <p:style>
-          <a:lnRef idx="1">
-            <a:schemeClr val="accent3"/>
-          </a:lnRef>
-          <a:fillRef idx="2">
-            <a:schemeClr val="accent3"/>
-          </a:fillRef>
-          <a:effectRef idx="1">
-            <a:schemeClr val="accent3"/>
-          </a:effectRef>
-          <a:fontRef idx="minor">
-            <a:schemeClr val="dk1"/>
-          </a:fontRef>
-        </p:style>
-        <p:txBody>
-          <a:bodyPr rtlCol="0" anchor="ctr"/>
-          <a:lstStyle/>
-          <a:p>
-            <a:pPr algn="ctr"/>
-            <a:r>
-              <a:rPr lang="en-US" sz="1050" b="1" dirty="0">
-                <a:solidFill>
-                  <a:schemeClr val="accent3">
-                    <a:lumMod val="75000"/>
-                  </a:schemeClr>
-                </a:solidFill>
-              </a:rPr>
-              <a:t>MainWindow</a:t>
-            </a:r>
-            <a:endParaRPr lang="en-SG" sz="1050" b="1" dirty="0">
-              <a:solidFill>
-                <a:schemeClr val="accent3">
-                  <a:lumMod val="75000"/>
-                </a:schemeClr>
-              </a:solidFill>
-            </a:endParaRPr>
-          </a:p>
-        </p:txBody>
-      </p:sp>
-      <p:sp>
-        <p:nvSpPr>
-          <p:cNvPr id="3" name="Rectangle 11"/>
-          <p:cNvSpPr/>
-          <p:nvPr/>
-        </p:nvSpPr>
-        <p:spPr>
-          <a:xfrm>
-            <a:off x="2592528" y="2971800"/>
-            <a:ext cx="1093635" cy="236841"/>
-          </a:xfrm>
-          <a:prstGeom prst="rect">
-            <a:avLst/>
-          </a:prstGeom>
-          <a:ln w="19050">
-            <a:solidFill>
-              <a:schemeClr val="accent3"/>
-            </a:solidFill>
-          </a:ln>
-          <a:effectLst/>
-        </p:spPr>
-        <p:style>
-          <a:lnRef idx="1">
-            <a:schemeClr val="accent3"/>
-          </a:lnRef>
-          <a:fillRef idx="2">
-            <a:schemeClr val="accent3"/>
-          </a:fillRef>
-          <a:effectRef idx="1">
-            <a:schemeClr val="accent3"/>
-          </a:effectRef>
-          <a:fontRef idx="minor">
-            <a:schemeClr val="dk1"/>
-          </a:fontRef>
-        </p:style>
-        <p:txBody>
-          <a:bodyPr rtlCol="0" anchor="ctr"/>
-          <a:lstStyle/>
-          <a:p>
-            <a:pPr algn="ctr"/>
-            <a:r>
-              <a:rPr lang="en-US" sz="1050" b="1" dirty="0">
-                <a:solidFill>
-                  <a:schemeClr val="accent3">
-                    <a:lumMod val="75000"/>
-                  </a:schemeClr>
-                </a:solidFill>
-              </a:rPr>
-              <a:t>CommandBox</a:t>
-            </a:r>
-            <a:endParaRPr lang="en-SG" sz="1050" b="1" dirty="0">
-              <a:solidFill>
-                <a:schemeClr val="accent3">
-                  <a:lumMod val="75000"/>
-                </a:schemeClr>
-              </a:solidFill>
-            </a:endParaRPr>
-          </a:p>
-        </p:txBody>
-      </p:sp>
-      <p:sp>
-        <p:nvSpPr>
-          <p:cNvPr id="9" name="Rectangle 62"/>
-          <p:cNvSpPr/>
-          <p:nvPr/>
-        </p:nvSpPr>
-        <p:spPr>
-          <a:xfrm>
-            <a:off x="2092842" y="1770924"/>
-            <a:ext cx="1093635" cy="346760"/>
-          </a:xfrm>
-          <a:prstGeom prst="rect">
-            <a:avLst/>
-          </a:prstGeom>
-          <a:solidFill>
-            <a:srgbClr val="00B050"/>
-          </a:solidFill>
-          <a:ln w="19050">
-            <a:solidFill>
-              <a:srgbClr val="00B050"/>
-            </a:solidFill>
-          </a:ln>
-          <a:effectLst/>
-        </p:spPr>
-        <p:style>
-          <a:lnRef idx="1">
-            <a:schemeClr val="accent2"/>
-          </a:lnRef>
-          <a:fillRef idx="2">
-            <a:schemeClr val="accent2"/>
-          </a:fillRef>
-          <a:effectRef idx="1">
-            <a:schemeClr val="accent2"/>
-          </a:effectRef>
-          <a:fontRef idx="minor">
-            <a:schemeClr val="dk1"/>
-          </a:fontRef>
-        </p:style>
-        <p:txBody>
-          <a:bodyPr rtlCol="0" anchor="ctr"/>
-          <a:lstStyle/>
-          <a:p>
-            <a:pPr algn="ctr"/>
-            <a:r>
-              <a:rPr lang="en-US" sz="1050" dirty="0">
-                <a:solidFill>
-                  <a:schemeClr val="bg1"/>
-                </a:solidFill>
-              </a:rPr>
-              <a:t>UiManager</a:t>
-            </a:r>
-            <a:endParaRPr lang="en-SG" sz="1050" dirty="0">
-              <a:solidFill>
-                <a:schemeClr val="bg1"/>
-              </a:solidFill>
-            </a:endParaRPr>
-          </a:p>
-        </p:txBody>
-      </p:sp>
-      <p:cxnSp>
-        <p:nvCxnSpPr>
-          <p:cNvPr id="10" name="Elbow Connector 63"/>
-          <p:cNvCxnSpPr>
-            <a:stCxn id="9" idx="2"/>
-            <a:endCxn id="2" idx="0"/>
-          </p:cNvCxnSpPr>
-          <p:nvPr/>
-        </p:nvCxnSpPr>
-        <p:spPr>
-          <a:xfrm rot="16200000" flipH="1">
-            <a:off x="2529445" y="2227899"/>
-            <a:ext cx="223536" cy="3106"/>
-          </a:xfrm>
-          <a:prstGeom prst="bentConnector3">
-            <a:avLst>
-              <a:gd name="adj1" fmla="val 50000"/>
-            </a:avLst>
-          </a:prstGeom>
-          <a:ln w="19050">
-            <a:solidFill>
-              <a:srgbClr val="00B050"/>
-            </a:solidFill>
-            <a:headEnd type="none" w="med" len="med"/>
-            <a:tailEnd type="arrow" w="med" len="med"/>
-          </a:ln>
-          <a:effectLst/>
-        </p:spPr>
-        <p:style>
-          <a:lnRef idx="1">
-            <a:schemeClr val="accent2"/>
-          </a:lnRef>
-          <a:fillRef idx="2">
-            <a:schemeClr val="accent2"/>
-          </a:fillRef>
-          <a:effectRef idx="1">
-            <a:schemeClr val="accent2"/>
-          </a:effectRef>
-          <a:fontRef idx="minor">
-            <a:schemeClr val="dk1"/>
-          </a:fontRef>
-        </p:style>
-      </p:cxnSp>
-      <p:sp>
-        <p:nvSpPr>
-          <p:cNvPr id="16" name="Isosceles Triangle 102"/>
-          <p:cNvSpPr/>
-          <p:nvPr/>
-        </p:nvSpPr>
-        <p:spPr>
-          <a:xfrm rot="10800000" flipV="1">
-            <a:off x="6147445" y="2105517"/>
-            <a:ext cx="270504" cy="175523"/>
-          </a:xfrm>
-          <a:prstGeom prst="triangle">
-            <a:avLst/>
-          </a:prstGeom>
-          <a:ln w="6350">
-            <a:solidFill>
-              <a:schemeClr val="accent3"/>
-            </a:solidFill>
-          </a:ln>
-          <a:effectLst/>
-        </p:spPr>
-        <p:style>
-          <a:lnRef idx="1">
-            <a:schemeClr val="accent3"/>
-          </a:lnRef>
-          <a:fillRef idx="2">
-            <a:schemeClr val="accent3"/>
-          </a:fillRef>
-          <a:effectRef idx="1">
-            <a:schemeClr val="accent3"/>
-          </a:effectRef>
-          <a:fontRef idx="minor">
-            <a:schemeClr val="dk1"/>
-          </a:fontRef>
-        </p:style>
-        <p:txBody>
-          <a:bodyPr rtlCol="0" anchor="ctr"/>
-          <a:lstStyle/>
-          <a:p>
-            <a:pPr algn="ctr"/>
-            <a:endParaRPr lang="en-SG" sz="1050" b="1" dirty="0">
-              <a:solidFill>
-                <a:srgbClr val="92D050"/>
-              </a:solidFill>
-            </a:endParaRPr>
-          </a:p>
-        </p:txBody>
-      </p:sp>
-      <p:cxnSp>
-        <p:nvCxnSpPr>
-          <p:cNvPr id="19" name="Elbow Connector 122"/>
-          <p:cNvCxnSpPr/>
-          <p:nvPr/>
-        </p:nvCxnSpPr>
-        <p:spPr>
-          <a:xfrm flipV="1">
-            <a:off x="644735" y="2991937"/>
-            <a:ext cx="684904" cy="1"/>
-          </a:xfrm>
-          <a:prstGeom prst="bentConnector3">
-            <a:avLst>
-              <a:gd name="adj1" fmla="val 50000"/>
-            </a:avLst>
-          </a:prstGeom>
-          <a:ln w="19050">
-            <a:solidFill>
-              <a:schemeClr val="bg1">
-                <a:lumMod val="75000"/>
-              </a:schemeClr>
-            </a:solidFill>
-            <a:prstDash val="sysDot"/>
-            <a:headEnd type="none" w="med" len="med"/>
-            <a:tailEnd type="arrow" w="med" len="med"/>
-          </a:ln>
-          <a:effectLst/>
-        </p:spPr>
-        <p:style>
-          <a:lnRef idx="1">
-            <a:schemeClr val="accent2"/>
-          </a:lnRef>
-          <a:fillRef idx="2">
-            <a:schemeClr val="accent2"/>
-          </a:fillRef>
-          <a:effectRef idx="1">
-            <a:schemeClr val="accent2"/>
-          </a:effectRef>
-          <a:fontRef idx="minor">
-            <a:schemeClr val="dk1"/>
-          </a:fontRef>
-        </p:style>
-      </p:cxnSp>
-      <p:sp>
-        <p:nvSpPr>
-          <p:cNvPr id="22" name="Rectangle 65"/>
-          <p:cNvSpPr/>
-          <p:nvPr/>
-        </p:nvSpPr>
-        <p:spPr>
-          <a:xfrm rot="16200000">
-            <a:off x="6311657" y="2451387"/>
-            <a:ext cx="2362201" cy="328045"/>
-          </a:xfrm>
-          <a:prstGeom prst="roundRect">
-            <a:avLst/>
-          </a:prstGeom>
-          <a:solidFill>
-            <a:schemeClr val="accent1">
-              <a:lumMod val="20000"/>
-              <a:lumOff val="80000"/>
-            </a:schemeClr>
-          </a:solidFill>
-          <a:ln w="19050">
-            <a:noFill/>
-          </a:ln>
-          <a:effectLst/>
-        </p:spPr>
-        <p:style>
-          <a:lnRef idx="1">
-            <a:schemeClr val="accent2"/>
-          </a:lnRef>
-          <a:fillRef idx="2">
-            <a:schemeClr val="accent2"/>
-          </a:fillRef>
-          <a:effectRef idx="1">
-            <a:schemeClr val="accent2"/>
-          </a:effectRef>
-          <a:fontRef idx="minor">
-            <a:schemeClr val="dk1"/>
-          </a:fontRef>
-        </p:style>
-        <p:txBody>
-          <a:bodyPr rtlCol="0" anchor="ctr"/>
-          <a:lstStyle/>
-          <a:p>
-            <a:pPr algn="ctr"/>
-            <a:r>
-              <a:rPr lang="en-US" sz="1100" b="1" dirty="0">
-                <a:solidFill>
-                  <a:schemeClr val="bg1"/>
-                </a:solidFill>
-              </a:rPr>
-              <a:t>Logic</a:t>
-            </a:r>
-            <a:endParaRPr lang="en-SG" sz="1100" b="1" dirty="0">
-              <a:solidFill>
-                <a:schemeClr val="bg1"/>
-              </a:solidFill>
-            </a:endParaRPr>
-          </a:p>
-        </p:txBody>
-      </p:sp>
-      <p:sp>
-        <p:nvSpPr>
-          <p:cNvPr id="34" name="Rectangle 11"/>
-          <p:cNvSpPr/>
-          <p:nvPr/>
-        </p:nvSpPr>
-        <p:spPr>
-          <a:xfrm>
-            <a:off x="2592528" y="3649359"/>
-            <a:ext cx="1093635" cy="236841"/>
-          </a:xfrm>
-          <a:prstGeom prst="rect">
-            <a:avLst/>
-          </a:prstGeom>
-          <a:ln w="19050">
-            <a:solidFill>
-              <a:schemeClr val="accent3"/>
-            </a:solidFill>
-          </a:ln>
-          <a:effectLst/>
-        </p:spPr>
-        <p:style>
-          <a:lnRef idx="1">
-            <a:schemeClr val="accent3"/>
-          </a:lnRef>
-          <a:fillRef idx="2">
-            <a:schemeClr val="accent3"/>
-          </a:fillRef>
-          <a:effectRef idx="1">
-            <a:schemeClr val="accent3"/>
-          </a:effectRef>
-          <a:fontRef idx="minor">
-            <a:schemeClr val="dk1"/>
-          </a:fontRef>
-        </p:style>
-        <p:txBody>
-          <a:bodyPr rtlCol="0" anchor="ctr"/>
-          <a:lstStyle/>
-          <a:p>
-            <a:pPr algn="ctr"/>
-            <a:r>
-              <a:rPr lang="en-US" sz="1050" b="1" dirty="0">
-                <a:solidFill>
-                  <a:schemeClr val="accent3">
-                    <a:lumMod val="75000"/>
-                  </a:schemeClr>
-                </a:solidFill>
-              </a:rPr>
-              <a:t>LoginPanel</a:t>
-            </a:r>
-            <a:endParaRPr lang="en-SG" sz="1050" b="1" dirty="0">
-              <a:solidFill>
-                <a:schemeClr val="accent3">
-                  <a:lumMod val="75000"/>
-                </a:schemeClr>
-              </a:solidFill>
-            </a:endParaRPr>
-          </a:p>
-        </p:txBody>
-      </p:sp>
-      <p:sp>
-        <p:nvSpPr>
-          <p:cNvPr id="35" name="Rectangle 11"/>
-          <p:cNvSpPr/>
-          <p:nvPr/>
-        </p:nvSpPr>
-        <p:spPr>
-          <a:xfrm>
-            <a:off x="2592527" y="5064363"/>
-            <a:ext cx="1093635" cy="236841"/>
-          </a:xfrm>
-          <a:prstGeom prst="rect">
-            <a:avLst/>
-          </a:prstGeom>
-          <a:ln w="19050">
-            <a:solidFill>
-              <a:schemeClr val="accent3"/>
-            </a:solidFill>
-          </a:ln>
-          <a:effectLst/>
-        </p:spPr>
-        <p:style>
-          <a:lnRef idx="1">
-            <a:schemeClr val="accent3"/>
-          </a:lnRef>
-          <a:fillRef idx="2">
-            <a:schemeClr val="accent3"/>
-          </a:fillRef>
-          <a:effectRef idx="1">
-            <a:schemeClr val="accent3"/>
-          </a:effectRef>
-          <a:fontRef idx="minor">
-            <a:schemeClr val="dk1"/>
-          </a:fontRef>
-        </p:style>
-        <p:txBody>
-          <a:bodyPr rtlCol="0" anchor="ctr"/>
-          <a:lstStyle/>
-          <a:p>
-            <a:pPr algn="ctr"/>
-            <a:r>
-              <a:rPr lang="en-US" sz="1050" b="1" dirty="0">
-                <a:solidFill>
-                  <a:schemeClr val="accent3">
-                    <a:lumMod val="75000"/>
-                  </a:schemeClr>
-                </a:solidFill>
-              </a:rPr>
-              <a:t>StatusBarFooter</a:t>
-            </a:r>
-            <a:endParaRPr lang="en-SG" sz="1050" b="1" dirty="0">
-              <a:solidFill>
-                <a:schemeClr val="accent3">
-                  <a:lumMod val="75000"/>
-                </a:schemeClr>
-              </a:solidFill>
-            </a:endParaRPr>
-          </a:p>
-        </p:txBody>
-      </p:sp>
-      <p:sp>
-        <p:nvSpPr>
-          <p:cNvPr id="36" name="Rectangle 11"/>
-          <p:cNvSpPr/>
-          <p:nvPr/>
-        </p:nvSpPr>
-        <p:spPr>
-          <a:xfrm>
-            <a:off x="2592526" y="3991960"/>
-            <a:ext cx="1093635" cy="236841"/>
-          </a:xfrm>
-          <a:prstGeom prst="rect">
-            <a:avLst/>
-          </a:prstGeom>
-          <a:ln w="19050">
-            <a:solidFill>
-              <a:schemeClr val="accent3"/>
-            </a:solidFill>
-          </a:ln>
-          <a:effectLst/>
-        </p:spPr>
-        <p:style>
-          <a:lnRef idx="1">
-            <a:schemeClr val="accent3"/>
-          </a:lnRef>
-          <a:fillRef idx="2">
-            <a:schemeClr val="accent3"/>
-          </a:fillRef>
-          <a:effectRef idx="1">
-            <a:schemeClr val="accent3"/>
-          </a:effectRef>
-          <a:fontRef idx="minor">
-            <a:schemeClr val="dk1"/>
-          </a:fontRef>
-        </p:style>
-        <p:txBody>
-          <a:bodyPr rtlCol="0" anchor="ctr"/>
-          <a:lstStyle/>
-          <a:p>
-            <a:pPr algn="ctr"/>
-            <a:r>
-              <a:rPr lang="en-US" sz="1050" b="1" dirty="0">
-                <a:solidFill>
-                  <a:schemeClr val="accent3">
-                    <a:lumMod val="75000"/>
-                  </a:schemeClr>
-                </a:solidFill>
-              </a:rPr>
-              <a:t>Dashboard</a:t>
-            </a:r>
-            <a:endParaRPr lang="en-SG" sz="1050" b="1" dirty="0">
-              <a:solidFill>
-                <a:schemeClr val="accent3">
-                  <a:lumMod val="75000"/>
-                </a:schemeClr>
-              </a:solidFill>
-            </a:endParaRPr>
-          </a:p>
-        </p:txBody>
-      </p:sp>
-      <p:sp>
-        <p:nvSpPr>
-          <p:cNvPr id="38" name="Rectangle 11"/>
-          <p:cNvSpPr/>
-          <p:nvPr/>
-        </p:nvSpPr>
-        <p:spPr>
-          <a:xfrm>
-            <a:off x="2591173" y="5427366"/>
-            <a:ext cx="1093635" cy="236841"/>
-          </a:xfrm>
-          <a:prstGeom prst="rect">
-            <a:avLst/>
-          </a:prstGeom>
-          <a:ln w="19050">
-            <a:solidFill>
-              <a:schemeClr val="accent3"/>
-            </a:solidFill>
-          </a:ln>
-          <a:effectLst/>
-        </p:spPr>
-        <p:style>
-          <a:lnRef idx="1">
-            <a:schemeClr val="accent3"/>
-          </a:lnRef>
-          <a:fillRef idx="2">
-            <a:schemeClr val="accent3"/>
-          </a:fillRef>
-          <a:effectRef idx="1">
-            <a:schemeClr val="accent3"/>
-          </a:effectRef>
-          <a:fontRef idx="minor">
-            <a:schemeClr val="dk1"/>
-          </a:fontRef>
-        </p:style>
-        <p:txBody>
-          <a:bodyPr rtlCol="0" anchor="ctr"/>
-          <a:lstStyle/>
-          <a:p>
-            <a:pPr algn="ctr"/>
-            <a:r>
-              <a:rPr lang="en-US" sz="1050" b="1" dirty="0">
-                <a:solidFill>
-                  <a:schemeClr val="accent3">
-                    <a:lumMod val="75000"/>
-                  </a:schemeClr>
-                </a:solidFill>
-              </a:rPr>
-              <a:t>HelpWindow</a:t>
-            </a:r>
-            <a:endParaRPr lang="en-SG" sz="1050" b="1" dirty="0">
-              <a:solidFill>
-                <a:schemeClr val="accent3">
-                  <a:lumMod val="75000"/>
-                </a:schemeClr>
-              </a:solidFill>
-            </a:endParaRPr>
-          </a:p>
-        </p:txBody>
-      </p:sp>
-      <p:sp>
-        <p:nvSpPr>
-          <p:cNvPr id="39" name="Flowchart: Decision 38"/>
-          <p:cNvSpPr/>
-          <p:nvPr/>
-        </p:nvSpPr>
-        <p:spPr>
-          <a:xfrm>
-            <a:off x="2324548" y="2706452"/>
-            <a:ext cx="183156" cy="161573"/>
-          </a:xfrm>
-          <a:prstGeom prst="flowChartDecision">
-            <a:avLst/>
-          </a:prstGeom>
-          <a:solidFill>
-            <a:schemeClr val="accent3"/>
-          </a:solidFill>
-          <a:ln>
-            <a:solidFill>
-              <a:schemeClr val="accent3"/>
-            </a:solidFill>
-          </a:ln>
-        </p:spPr>
-        <p:style>
-          <a:lnRef idx="2">
-            <a:schemeClr val="accent1">
-              <a:shade val="50000"/>
-            </a:schemeClr>
-          </a:lnRef>
-          <a:fillRef idx="1">
-            <a:schemeClr val="accent1"/>
-          </a:fillRef>
-          <a:effectRef idx="0">
-            <a:schemeClr val="accent1"/>
-          </a:effectRef>
-          <a:fontRef idx="minor">
-            <a:schemeClr val="lt1"/>
-          </a:fontRef>
-        </p:style>
-        <p:txBody>
-          <a:bodyPr rtlCol="0" anchor="ctr"/>
-          <a:lstStyle/>
-          <a:p>
-            <a:pPr algn="ctr"/>
-            <a:endParaRPr lang="en-SG" dirty="0"/>
-          </a:p>
-        </p:txBody>
-      </p:sp>
-      <p:cxnSp>
-        <p:nvCxnSpPr>
-          <p:cNvPr id="40" name="Elbow Connector 63"/>
-          <p:cNvCxnSpPr>
-            <a:stCxn id="39" idx="2"/>
-            <a:endCxn id="3" idx="1"/>
-          </p:cNvCxnSpPr>
-          <p:nvPr/>
-        </p:nvCxnSpPr>
-        <p:spPr>
-          <a:xfrm rot="16200000" flipH="1">
-            <a:off x="2393229" y="2890922"/>
-            <a:ext cx="222196" cy="176402"/>
-          </a:xfrm>
-          <a:prstGeom prst="bentConnector2">
-            <a:avLst/>
-          </a:prstGeom>
-          <a:ln w="19050">
-            <a:solidFill>
-              <a:schemeClr val="accent3"/>
-            </a:solidFill>
-            <a:headEnd type="none" w="med" len="med"/>
-            <a:tailEnd type="arrow" w="med" len="med"/>
-          </a:ln>
-          <a:effectLst/>
-        </p:spPr>
-        <p:style>
-          <a:lnRef idx="1">
-            <a:schemeClr val="accent2"/>
-          </a:lnRef>
-          <a:fillRef idx="2">
-            <a:schemeClr val="accent2"/>
-          </a:fillRef>
-          <a:effectRef idx="1">
-            <a:schemeClr val="accent2"/>
-          </a:effectRef>
-          <a:fontRef idx="minor">
-            <a:schemeClr val="dk1"/>
-          </a:fontRef>
-        </p:style>
-      </p:cxnSp>
-      <p:sp>
-        <p:nvSpPr>
-          <p:cNvPr id="43" name="Rectangle 11"/>
-          <p:cNvSpPr/>
-          <p:nvPr/>
-        </p:nvSpPr>
-        <p:spPr>
-          <a:xfrm>
-            <a:off x="2590799" y="3304308"/>
-            <a:ext cx="1095361" cy="236841"/>
-          </a:xfrm>
-          <a:prstGeom prst="rect">
-            <a:avLst/>
-          </a:prstGeom>
-          <a:ln w="19050">
-            <a:solidFill>
-              <a:schemeClr val="accent3"/>
-            </a:solidFill>
-          </a:ln>
-          <a:effectLst/>
-        </p:spPr>
-        <p:style>
-          <a:lnRef idx="1">
-            <a:schemeClr val="accent3"/>
-          </a:lnRef>
-          <a:fillRef idx="2">
-            <a:schemeClr val="accent3"/>
-          </a:fillRef>
-          <a:effectRef idx="1">
-            <a:schemeClr val="accent3"/>
-          </a:effectRef>
-          <a:fontRef idx="minor">
-            <a:schemeClr val="dk1"/>
-          </a:fontRef>
-        </p:style>
-        <p:txBody>
-          <a:bodyPr rtlCol="0" anchor="ctr"/>
-          <a:lstStyle/>
-          <a:p>
-            <a:pPr algn="ctr"/>
-            <a:r>
-              <a:rPr lang="en-US" sz="1050" b="1" dirty="0">
-                <a:solidFill>
-                  <a:schemeClr val="accent3">
-                    <a:lumMod val="75000"/>
-                  </a:schemeClr>
-                </a:solidFill>
-              </a:rPr>
-              <a:t>ResultDisplay</a:t>
-            </a:r>
-            <a:endParaRPr lang="en-SG" sz="1050" b="1" dirty="0">
-              <a:solidFill>
-                <a:schemeClr val="accent3">
-                  <a:lumMod val="75000"/>
-                </a:schemeClr>
-              </a:solidFill>
-            </a:endParaRPr>
-          </a:p>
-        </p:txBody>
-      </p:sp>
-      <p:cxnSp>
-        <p:nvCxnSpPr>
-          <p:cNvPr id="44" name="Elbow Connector 63"/>
-          <p:cNvCxnSpPr>
-            <a:stCxn id="39" idx="2"/>
-            <a:endCxn id="34" idx="1"/>
-          </p:cNvCxnSpPr>
-          <p:nvPr/>
-        </p:nvCxnSpPr>
-        <p:spPr>
-          <a:xfrm rot="16200000" flipH="1">
-            <a:off x="2054450" y="3229701"/>
-            <a:ext cx="899755" cy="176402"/>
-          </a:xfrm>
-          <a:prstGeom prst="bentConnector2">
-            <a:avLst/>
-          </a:prstGeom>
-          <a:ln w="19050">
-            <a:solidFill>
-              <a:schemeClr val="accent3"/>
-            </a:solidFill>
-            <a:headEnd type="none" w="med" len="med"/>
-            <a:tailEnd type="arrow" w="med" len="med"/>
-          </a:ln>
-          <a:effectLst/>
-        </p:spPr>
-        <p:style>
-          <a:lnRef idx="1">
-            <a:schemeClr val="accent2"/>
-          </a:lnRef>
-          <a:fillRef idx="2">
-            <a:schemeClr val="accent2"/>
-          </a:fillRef>
-          <a:effectRef idx="1">
-            <a:schemeClr val="accent2"/>
-          </a:effectRef>
-          <a:fontRef idx="minor">
-            <a:schemeClr val="dk1"/>
-          </a:fontRef>
-        </p:style>
-      </p:cxnSp>
-      <p:cxnSp>
-        <p:nvCxnSpPr>
-          <p:cNvPr id="47" name="Elbow Connector 63"/>
-          <p:cNvCxnSpPr>
-            <a:cxnSpLocks/>
-            <a:stCxn id="39" idx="2"/>
-            <a:endCxn id="36" idx="1"/>
-          </p:cNvCxnSpPr>
-          <p:nvPr/>
-        </p:nvCxnSpPr>
-        <p:spPr>
-          <a:xfrm rot="16200000" flipH="1">
-            <a:off x="1883148" y="3401003"/>
-            <a:ext cx="1242356" cy="176400"/>
-          </a:xfrm>
-          <a:prstGeom prst="bentConnector2">
-            <a:avLst/>
-          </a:prstGeom>
-          <a:ln w="19050">
-            <a:solidFill>
-              <a:schemeClr val="accent3"/>
-            </a:solidFill>
-            <a:headEnd type="none" w="med" len="med"/>
-            <a:tailEnd type="arrow" w="med" len="med"/>
-          </a:ln>
-          <a:effectLst/>
-        </p:spPr>
-        <p:style>
-          <a:lnRef idx="1">
-            <a:schemeClr val="accent2"/>
-          </a:lnRef>
-          <a:fillRef idx="2">
-            <a:schemeClr val="accent2"/>
-          </a:fillRef>
-          <a:effectRef idx="1">
-            <a:schemeClr val="accent2"/>
-          </a:effectRef>
-          <a:fontRef idx="minor">
-            <a:schemeClr val="dk1"/>
-          </a:fontRef>
-        </p:style>
-      </p:cxnSp>
-      <p:cxnSp>
-        <p:nvCxnSpPr>
-          <p:cNvPr id="50" name="Elbow Connector 63"/>
-          <p:cNvCxnSpPr>
-            <a:cxnSpLocks/>
-            <a:stCxn id="39" idx="2"/>
-            <a:endCxn id="35" idx="1"/>
-          </p:cNvCxnSpPr>
-          <p:nvPr/>
-        </p:nvCxnSpPr>
-        <p:spPr>
-          <a:xfrm rot="16200000" flipH="1">
-            <a:off x="1346947" y="3937203"/>
-            <a:ext cx="2314759" cy="176401"/>
-          </a:xfrm>
-          <a:prstGeom prst="bentConnector2">
-            <a:avLst/>
-          </a:prstGeom>
-          <a:ln w="19050">
-            <a:solidFill>
-              <a:schemeClr val="accent3"/>
-            </a:solidFill>
-            <a:headEnd type="none" w="med" len="med"/>
-            <a:tailEnd type="arrow" w="med" len="med"/>
-          </a:ln>
-          <a:effectLst/>
-        </p:spPr>
-        <p:style>
-          <a:lnRef idx="1">
-            <a:schemeClr val="accent2"/>
-          </a:lnRef>
-          <a:fillRef idx="2">
-            <a:schemeClr val="accent2"/>
-          </a:fillRef>
-          <a:effectRef idx="1">
-            <a:schemeClr val="accent2"/>
-          </a:effectRef>
-          <a:fontRef idx="minor">
-            <a:schemeClr val="dk1"/>
-          </a:fontRef>
-        </p:style>
-      </p:cxnSp>
-      <p:cxnSp>
-        <p:nvCxnSpPr>
-          <p:cNvPr id="53" name="Elbow Connector 63"/>
-          <p:cNvCxnSpPr>
-            <a:cxnSpLocks/>
-            <a:endCxn id="38" idx="1"/>
-          </p:cNvCxnSpPr>
-          <p:nvPr/>
-        </p:nvCxnSpPr>
-        <p:spPr>
-          <a:xfrm rot="16200000" flipH="1">
-            <a:off x="980821" y="3935434"/>
-            <a:ext cx="2839333" cy="381371"/>
-          </a:xfrm>
-          <a:prstGeom prst="bentConnector2">
-            <a:avLst/>
-          </a:prstGeom>
-          <a:ln w="19050">
-            <a:solidFill>
-              <a:schemeClr val="accent3"/>
-            </a:solidFill>
-            <a:headEnd type="none" w="med" len="med"/>
-            <a:tailEnd type="arrow" w="med" len="med"/>
-          </a:ln>
-          <a:effectLst/>
-        </p:spPr>
-        <p:style>
-          <a:lnRef idx="1">
-            <a:schemeClr val="accent2"/>
-          </a:lnRef>
-          <a:fillRef idx="2">
-            <a:schemeClr val="accent2"/>
-          </a:fillRef>
-          <a:effectRef idx="1">
-            <a:schemeClr val="accent2"/>
-          </a:effectRef>
-          <a:fontRef idx="minor">
-            <a:schemeClr val="dk1"/>
-          </a:fontRef>
-        </p:style>
-      </p:cxnSp>
-      <p:sp>
-        <p:nvSpPr>
-          <p:cNvPr id="73" name="Rectangle 62"/>
-          <p:cNvSpPr/>
-          <p:nvPr/>
-        </p:nvSpPr>
-        <p:spPr>
-          <a:xfrm>
-            <a:off x="5699664" y="1752673"/>
-            <a:ext cx="772043" cy="346760"/>
-          </a:xfrm>
-          <a:prstGeom prst="rect">
-            <a:avLst/>
-          </a:prstGeom>
-          <a:ln w="6350">
-            <a:solidFill>
-              <a:schemeClr val="accent3"/>
-            </a:solidFill>
-          </a:ln>
-          <a:effectLst/>
-        </p:spPr>
-        <p:style>
-          <a:lnRef idx="1">
-            <a:schemeClr val="accent3"/>
-          </a:lnRef>
-          <a:fillRef idx="2">
-            <a:schemeClr val="accent3"/>
-          </a:fillRef>
-          <a:effectRef idx="1">
-            <a:schemeClr val="accent3"/>
-          </a:effectRef>
-          <a:fontRef idx="minor">
-            <a:schemeClr val="dk1"/>
-          </a:fontRef>
-        </p:style>
-        <p:txBody>
-          <a:bodyPr rtlCol="0" anchor="ctr"/>
-          <a:lstStyle/>
-          <a:p>
-            <a:pPr algn="ctr"/>
-            <a:r>
-              <a:rPr lang="en-US" sz="1050" b="1" dirty="0">
-                <a:solidFill>
-                  <a:schemeClr val="accent3">
-                    <a:lumMod val="75000"/>
-                  </a:schemeClr>
-                </a:solidFill>
-              </a:rPr>
-              <a:t>{abstract}</a:t>
-            </a:r>
-            <a:br>
-              <a:rPr lang="en-US" sz="1050" b="1" dirty="0">
-                <a:solidFill>
-                  <a:schemeClr val="accent3">
-                    <a:lumMod val="75000"/>
-                  </a:schemeClr>
-                </a:solidFill>
-              </a:rPr>
-            </a:br>
-            <a:r>
-              <a:rPr lang="en-US" sz="1050" b="1" dirty="0">
-                <a:solidFill>
-                  <a:schemeClr val="accent3">
-                    <a:lumMod val="75000"/>
-                  </a:schemeClr>
-                </a:solidFill>
-              </a:rPr>
-              <a:t>UiPart</a:t>
-            </a:r>
-            <a:endParaRPr lang="en-SG" sz="1050" b="1" dirty="0">
-              <a:solidFill>
-                <a:schemeClr val="accent3">
-                  <a:lumMod val="75000"/>
-                </a:schemeClr>
-              </a:solidFill>
-            </a:endParaRPr>
-          </a:p>
-        </p:txBody>
-      </p:sp>
-      <p:cxnSp>
-        <p:nvCxnSpPr>
-          <p:cNvPr id="74" name="Elbow Connector 63"/>
-          <p:cNvCxnSpPr>
-            <a:stCxn id="43" idx="3"/>
-            <a:endCxn id="16" idx="3"/>
-          </p:cNvCxnSpPr>
-          <p:nvPr/>
-        </p:nvCxnSpPr>
-        <p:spPr>
-          <a:xfrm flipV="1">
-            <a:off x="3686160" y="2281040"/>
-            <a:ext cx="2596537" cy="1141689"/>
-          </a:xfrm>
-          <a:prstGeom prst="bentConnector2">
-            <a:avLst/>
-          </a:prstGeom>
-          <a:ln w="6350">
-            <a:solidFill>
-              <a:schemeClr val="accent3"/>
-            </a:solidFill>
-            <a:headEnd type="none" w="med" len="med"/>
-            <a:tailEnd type="none" w="med" len="med"/>
-          </a:ln>
-          <a:effectLst/>
-        </p:spPr>
-        <p:style>
-          <a:lnRef idx="1">
-            <a:schemeClr val="accent2"/>
-          </a:lnRef>
-          <a:fillRef idx="2">
-            <a:schemeClr val="accent2"/>
-          </a:fillRef>
-          <a:effectRef idx="1">
-            <a:schemeClr val="accent2"/>
-          </a:effectRef>
-          <a:fontRef idx="minor">
-            <a:schemeClr val="dk1"/>
-          </a:fontRef>
-        </p:style>
-      </p:cxnSp>
-      <p:cxnSp>
-        <p:nvCxnSpPr>
-          <p:cNvPr id="82" name="Elbow Connector 63"/>
-          <p:cNvCxnSpPr>
-            <a:stCxn id="16" idx="3"/>
-            <a:endCxn id="34" idx="3"/>
-          </p:cNvCxnSpPr>
-          <p:nvPr/>
-        </p:nvCxnSpPr>
-        <p:spPr>
-          <a:xfrm rot="5400000">
-            <a:off x="4241060" y="1726143"/>
-            <a:ext cx="1486740" cy="2596534"/>
-          </a:xfrm>
-          <a:prstGeom prst="bentConnector2">
-            <a:avLst/>
-          </a:prstGeom>
-          <a:ln w="6350">
-            <a:solidFill>
-              <a:schemeClr val="accent3"/>
-            </a:solidFill>
-            <a:headEnd type="none" w="med" len="med"/>
-            <a:tailEnd type="none" w="med" len="med"/>
-          </a:ln>
-          <a:effectLst/>
-        </p:spPr>
-        <p:style>
-          <a:lnRef idx="1">
-            <a:schemeClr val="accent2"/>
-          </a:lnRef>
-          <a:fillRef idx="2">
-            <a:schemeClr val="accent2"/>
-          </a:fillRef>
-          <a:effectRef idx="1">
-            <a:schemeClr val="accent2"/>
-          </a:effectRef>
-          <a:fontRef idx="minor">
-            <a:schemeClr val="dk1"/>
-          </a:fontRef>
-        </p:style>
-      </p:cxnSp>
-      <p:cxnSp>
-        <p:nvCxnSpPr>
-          <p:cNvPr id="88" name="Elbow Connector 63"/>
-          <p:cNvCxnSpPr>
-            <a:stCxn id="2" idx="3"/>
-            <a:endCxn id="16" idx="3"/>
-          </p:cNvCxnSpPr>
-          <p:nvPr/>
-        </p:nvCxnSpPr>
-        <p:spPr>
-          <a:xfrm flipV="1">
-            <a:off x="3189583" y="2281040"/>
-            <a:ext cx="3093114" cy="233560"/>
-          </a:xfrm>
-          <a:prstGeom prst="bentConnector2">
-            <a:avLst/>
-          </a:prstGeom>
-          <a:ln w="6350">
-            <a:solidFill>
-              <a:schemeClr val="accent3"/>
-            </a:solidFill>
-            <a:headEnd type="none" w="med" len="med"/>
-            <a:tailEnd type="none" w="med" len="med"/>
-          </a:ln>
-          <a:effectLst/>
-        </p:spPr>
-        <p:style>
-          <a:lnRef idx="1">
-            <a:schemeClr val="accent2"/>
-          </a:lnRef>
-          <a:fillRef idx="2">
-            <a:schemeClr val="accent2"/>
-          </a:fillRef>
-          <a:effectRef idx="1">
-            <a:schemeClr val="accent2"/>
-          </a:effectRef>
-          <a:fontRef idx="minor">
-            <a:schemeClr val="dk1"/>
-          </a:fontRef>
-        </p:style>
-      </p:cxnSp>
-      <p:cxnSp>
-        <p:nvCxnSpPr>
-          <p:cNvPr id="91" name="Elbow Connector 63"/>
-          <p:cNvCxnSpPr>
-            <a:stCxn id="16" idx="3"/>
-            <a:endCxn id="35" idx="3"/>
-          </p:cNvCxnSpPr>
-          <p:nvPr/>
-        </p:nvCxnSpPr>
-        <p:spPr>
-          <a:xfrm rot="5400000">
-            <a:off x="3533558" y="2433645"/>
-            <a:ext cx="2901744" cy="2596535"/>
-          </a:xfrm>
-          <a:prstGeom prst="bentConnector2">
-            <a:avLst/>
-          </a:prstGeom>
-          <a:ln w="6350">
-            <a:solidFill>
-              <a:schemeClr val="accent3"/>
-            </a:solidFill>
-            <a:headEnd type="none" w="med" len="med"/>
-            <a:tailEnd type="none" w="med" len="med"/>
-          </a:ln>
-          <a:effectLst/>
-        </p:spPr>
-        <p:style>
-          <a:lnRef idx="1">
-            <a:schemeClr val="accent2"/>
-          </a:lnRef>
-          <a:fillRef idx="2">
-            <a:schemeClr val="accent2"/>
-          </a:fillRef>
-          <a:effectRef idx="1">
-            <a:schemeClr val="accent2"/>
-          </a:effectRef>
-          <a:fontRef idx="minor">
-            <a:schemeClr val="dk1"/>
-          </a:fontRef>
-        </p:style>
-      </p:cxnSp>
-      <p:cxnSp>
-        <p:nvCxnSpPr>
-          <p:cNvPr id="94" name="Elbow Connector 63"/>
-          <p:cNvCxnSpPr>
-            <a:stCxn id="16" idx="3"/>
-            <a:endCxn id="38" idx="3"/>
-          </p:cNvCxnSpPr>
-          <p:nvPr/>
-        </p:nvCxnSpPr>
-        <p:spPr>
-          <a:xfrm rot="5400000">
-            <a:off x="3351380" y="2614469"/>
-            <a:ext cx="3264747" cy="2597889"/>
-          </a:xfrm>
-          <a:prstGeom prst="bentConnector2">
-            <a:avLst/>
-          </a:prstGeom>
-          <a:ln w="6350">
-            <a:solidFill>
-              <a:schemeClr val="accent3"/>
-            </a:solidFill>
-            <a:headEnd type="none" w="med" len="med"/>
-            <a:tailEnd type="none" w="med" len="med"/>
-          </a:ln>
-          <a:effectLst/>
-        </p:spPr>
-        <p:style>
-          <a:lnRef idx="1">
-            <a:schemeClr val="accent2"/>
-          </a:lnRef>
-          <a:fillRef idx="2">
-            <a:schemeClr val="accent2"/>
-          </a:fillRef>
-          <a:effectRef idx="1">
-            <a:schemeClr val="accent2"/>
-          </a:effectRef>
-          <a:fontRef idx="minor">
-            <a:schemeClr val="dk1"/>
-          </a:fontRef>
-        </p:style>
-      </p:cxnSp>
-      <p:cxnSp>
-        <p:nvCxnSpPr>
-          <p:cNvPr id="107" name="Elbow Connector 106"/>
-          <p:cNvCxnSpPr>
-            <a:cxnSpLocks/>
-            <a:stCxn id="9" idx="0"/>
-          </p:cNvCxnSpPr>
-          <p:nvPr/>
-        </p:nvCxnSpPr>
-        <p:spPr>
-          <a:xfrm rot="5400000" flipH="1" flipV="1">
-            <a:off x="4902955" y="-654855"/>
-            <a:ext cx="162484" cy="4689075"/>
-          </a:xfrm>
-          <a:prstGeom prst="bentConnector2">
-            <a:avLst/>
-          </a:prstGeom>
-          <a:ln w="19050">
-            <a:solidFill>
-              <a:srgbClr val="00B050"/>
-            </a:solidFill>
-            <a:prstDash val="solid"/>
-            <a:headEnd type="none" w="med" len="med"/>
-            <a:tailEnd type="arrow" w="med" len="med"/>
-          </a:ln>
-          <a:effectLst/>
-        </p:spPr>
-        <p:style>
-          <a:lnRef idx="1">
-            <a:schemeClr val="accent2"/>
-          </a:lnRef>
-          <a:fillRef idx="2">
-            <a:schemeClr val="accent2"/>
-          </a:fillRef>
-          <a:effectRef idx="1">
-            <a:schemeClr val="accent2"/>
-          </a:effectRef>
-          <a:fontRef idx="minor">
-            <a:schemeClr val="dk1"/>
-          </a:fontRef>
-        </p:style>
-      </p:cxnSp>
-      <p:sp>
-        <p:nvSpPr>
-          <p:cNvPr id="117" name="Rectangle 65"/>
-          <p:cNvSpPr/>
-          <p:nvPr/>
-        </p:nvSpPr>
-        <p:spPr>
-          <a:xfrm rot="16200000">
-            <a:off x="6806958" y="4496216"/>
-            <a:ext cx="1371599" cy="328045"/>
-          </a:xfrm>
-          <a:prstGeom prst="roundRect">
-            <a:avLst/>
-          </a:prstGeom>
-          <a:solidFill>
-            <a:schemeClr val="accent4">
-              <a:lumMod val="20000"/>
-              <a:lumOff val="80000"/>
-            </a:schemeClr>
-          </a:solidFill>
-          <a:ln w="19050">
-            <a:noFill/>
-          </a:ln>
-          <a:effectLst/>
-        </p:spPr>
-        <p:style>
-          <a:lnRef idx="1">
-            <a:schemeClr val="accent2"/>
-          </a:lnRef>
-          <a:fillRef idx="2">
-            <a:schemeClr val="accent2"/>
-          </a:fillRef>
-          <a:effectRef idx="1">
-            <a:schemeClr val="accent2"/>
-          </a:effectRef>
-          <a:fontRef idx="minor">
-            <a:schemeClr val="dk1"/>
-          </a:fontRef>
-        </p:style>
-        <p:txBody>
-          <a:bodyPr rtlCol="0" anchor="ctr"/>
-          <a:lstStyle/>
-          <a:p>
-            <a:pPr algn="ctr"/>
-            <a:r>
-              <a:rPr lang="en-US" sz="1100" b="1" dirty="0">
-                <a:solidFill>
-                  <a:schemeClr val="bg1"/>
-                </a:solidFill>
-              </a:rPr>
-              <a:t>Model</a:t>
-            </a:r>
-            <a:endParaRPr lang="en-SG" sz="1100" b="1" dirty="0">
-              <a:solidFill>
-                <a:schemeClr val="bg1"/>
-              </a:solidFill>
-            </a:endParaRPr>
-          </a:p>
-        </p:txBody>
-      </p:sp>
-      <p:sp>
-        <p:nvSpPr>
-          <p:cNvPr id="119" name="Rectangle 62"/>
-          <p:cNvSpPr/>
-          <p:nvPr/>
-        </p:nvSpPr>
-        <p:spPr>
-          <a:xfrm rot="16200000">
-            <a:off x="956202" y="2861202"/>
-            <a:ext cx="1093635" cy="346760"/>
-          </a:xfrm>
-          <a:prstGeom prst="rect">
-            <a:avLst/>
-          </a:prstGeom>
-          <a:solidFill>
-            <a:srgbClr val="00B050"/>
-          </a:solidFill>
-          <a:ln w="19050">
-            <a:solidFill>
-              <a:srgbClr val="00B050"/>
-            </a:solidFill>
-          </a:ln>
-          <a:effectLst/>
-        </p:spPr>
-        <p:style>
-          <a:lnRef idx="1">
-            <a:schemeClr val="accent2"/>
-          </a:lnRef>
-          <a:fillRef idx="2">
-            <a:schemeClr val="accent2"/>
-          </a:fillRef>
-          <a:effectRef idx="1">
-            <a:schemeClr val="accent2"/>
-          </a:effectRef>
-          <a:fontRef idx="minor">
-            <a:schemeClr val="dk1"/>
-          </a:fontRef>
-        </p:style>
-        <p:txBody>
-          <a:bodyPr rtlCol="0" anchor="ctr"/>
-          <a:lstStyle/>
-          <a:p>
-            <a:pPr algn="ctr"/>
-            <a:r>
-              <a:rPr lang="en-US" sz="1050" dirty="0">
-                <a:solidFill>
-                  <a:schemeClr val="bg1"/>
-                </a:solidFill>
-              </a:rPr>
-              <a:t>&lt;&lt;interface&gt;&gt;</a:t>
-            </a:r>
-          </a:p>
-          <a:p>
-            <a:pPr algn="ctr"/>
-            <a:r>
-              <a:rPr lang="en-US" sz="1050" dirty="0">
-                <a:solidFill>
-                  <a:schemeClr val="bg1"/>
-                </a:solidFill>
-              </a:rPr>
-              <a:t>Ui</a:t>
-            </a:r>
-            <a:endParaRPr lang="en-SG" sz="1050" dirty="0">
-              <a:solidFill>
-                <a:schemeClr val="bg1"/>
-              </a:solidFill>
-            </a:endParaRPr>
-          </a:p>
-        </p:txBody>
-      </p:sp>
-      <p:sp>
-        <p:nvSpPr>
-          <p:cNvPr id="120" name="Isosceles Triangle 102"/>
-          <p:cNvSpPr/>
-          <p:nvPr/>
-        </p:nvSpPr>
-        <p:spPr>
-          <a:xfrm flipV="1">
-            <a:off x="1367767" y="2286001"/>
-            <a:ext cx="270504" cy="175523"/>
-          </a:xfrm>
-          <a:prstGeom prst="triangle">
-            <a:avLst/>
-          </a:prstGeom>
-          <a:ln w="19050">
-            <a:solidFill>
-              <a:srgbClr val="00B050"/>
-            </a:solidFill>
-          </a:ln>
-          <a:effectLst/>
-        </p:spPr>
-        <p:style>
-          <a:lnRef idx="1">
-            <a:schemeClr val="accent3"/>
-          </a:lnRef>
-          <a:fillRef idx="2">
-            <a:schemeClr val="accent3"/>
-          </a:fillRef>
-          <a:effectRef idx="1">
-            <a:schemeClr val="accent3"/>
-          </a:effectRef>
-          <a:fontRef idx="minor">
-            <a:schemeClr val="dk1"/>
-          </a:fontRef>
-        </p:style>
-        <p:txBody>
-          <a:bodyPr rtlCol="0" anchor="ctr"/>
-          <a:lstStyle/>
-          <a:p>
-            <a:pPr algn="ctr"/>
-            <a:endParaRPr lang="en-SG" sz="1050" b="1" dirty="0">
-              <a:solidFill>
-                <a:srgbClr val="92D050"/>
-              </a:solidFill>
-            </a:endParaRPr>
-          </a:p>
-        </p:txBody>
-      </p:sp>
-      <p:cxnSp>
-        <p:nvCxnSpPr>
-          <p:cNvPr id="121" name="Elbow Connector 63"/>
-          <p:cNvCxnSpPr>
-            <a:stCxn id="9" idx="1"/>
-            <a:endCxn id="120" idx="3"/>
-          </p:cNvCxnSpPr>
-          <p:nvPr/>
-        </p:nvCxnSpPr>
-        <p:spPr>
-          <a:xfrm rot="10800000" flipV="1">
-            <a:off x="1503020" y="1944303"/>
-            <a:ext cx="589823" cy="341697"/>
-          </a:xfrm>
-          <a:prstGeom prst="bentConnector2">
-            <a:avLst/>
-          </a:prstGeom>
-          <a:ln w="19050">
-            <a:solidFill>
-              <a:srgbClr val="00B050"/>
-            </a:solidFill>
-            <a:prstDash val="sysDot"/>
-            <a:headEnd type="none" w="med" len="med"/>
-            <a:tailEnd type="none" w="med" len="med"/>
-          </a:ln>
-          <a:effectLst/>
-        </p:spPr>
-        <p:style>
-          <a:lnRef idx="1">
-            <a:schemeClr val="accent2"/>
-          </a:lnRef>
-          <a:fillRef idx="2">
-            <a:schemeClr val="accent2"/>
-          </a:fillRef>
-          <a:effectRef idx="1">
-            <a:schemeClr val="accent2"/>
-          </a:effectRef>
-          <a:fontRef idx="minor">
-            <a:schemeClr val="dk1"/>
-          </a:fontRef>
-        </p:style>
-      </p:cxnSp>
-      <p:cxnSp>
-        <p:nvCxnSpPr>
-          <p:cNvPr id="131" name="Elbow Connector 130"/>
-          <p:cNvCxnSpPr>
-            <a:stCxn id="39" idx="2"/>
-            <a:endCxn id="43" idx="1"/>
-          </p:cNvCxnSpPr>
-          <p:nvPr/>
-        </p:nvCxnSpPr>
-        <p:spPr>
-          <a:xfrm rot="16200000" flipH="1">
-            <a:off x="2226110" y="3058040"/>
-            <a:ext cx="554704" cy="174673"/>
-          </a:xfrm>
-          <a:prstGeom prst="bentConnector2">
-            <a:avLst/>
-          </a:prstGeom>
-          <a:ln w="19050">
-            <a:solidFill>
-              <a:schemeClr val="accent3"/>
-            </a:solidFill>
-            <a:headEnd type="none" w="med" len="med"/>
-            <a:tailEnd type="arrow" w="med" len="med"/>
-          </a:ln>
-          <a:effectLst/>
-        </p:spPr>
-        <p:style>
-          <a:lnRef idx="1">
-            <a:schemeClr val="accent2"/>
-          </a:lnRef>
-          <a:fillRef idx="2">
-            <a:schemeClr val="accent2"/>
-          </a:fillRef>
-          <a:effectRef idx="1">
-            <a:schemeClr val="accent2"/>
-          </a:effectRef>
-          <a:fontRef idx="minor">
-            <a:schemeClr val="dk1"/>
-          </a:fontRef>
-        </p:style>
-      </p:cxnSp>
-      <p:cxnSp>
-        <p:nvCxnSpPr>
-          <p:cNvPr id="132" name="Elbow Connector 63"/>
-          <p:cNvCxnSpPr>
-            <a:stCxn id="16" idx="3"/>
-            <a:endCxn id="3" idx="3"/>
-          </p:cNvCxnSpPr>
-          <p:nvPr/>
-        </p:nvCxnSpPr>
-        <p:spPr>
-          <a:xfrm rot="5400000">
-            <a:off x="4579840" y="1387363"/>
-            <a:ext cx="809181" cy="2596534"/>
-          </a:xfrm>
-          <a:prstGeom prst="bentConnector2">
-            <a:avLst/>
-          </a:prstGeom>
-          <a:ln w="6350">
-            <a:solidFill>
-              <a:schemeClr val="accent3"/>
-            </a:solidFill>
-            <a:headEnd type="none" w="med" len="med"/>
-            <a:tailEnd type="none" w="med" len="med"/>
-          </a:ln>
-          <a:effectLst/>
-        </p:spPr>
-        <p:style>
-          <a:lnRef idx="1">
-            <a:schemeClr val="accent2"/>
-          </a:lnRef>
-          <a:fillRef idx="2">
-            <a:schemeClr val="accent2"/>
-          </a:fillRef>
-          <a:effectRef idx="1">
-            <a:schemeClr val="accent2"/>
-          </a:effectRef>
-          <a:fontRef idx="minor">
-            <a:schemeClr val="dk1"/>
-          </a:fontRef>
-        </p:style>
-      </p:cxnSp>
-      <p:cxnSp>
-        <p:nvCxnSpPr>
-          <p:cNvPr id="140" name="Elbow Connector 63"/>
-          <p:cNvCxnSpPr>
-            <a:cxnSpLocks/>
-            <a:stCxn id="16" idx="3"/>
-            <a:endCxn id="36" idx="3"/>
-          </p:cNvCxnSpPr>
-          <p:nvPr/>
-        </p:nvCxnSpPr>
-        <p:spPr>
-          <a:xfrm rot="5400000">
-            <a:off x="4069759" y="1897442"/>
-            <a:ext cx="1829341" cy="2596536"/>
-          </a:xfrm>
-          <a:prstGeom prst="bentConnector2">
-            <a:avLst/>
-          </a:prstGeom>
-          <a:ln w="6350">
-            <a:solidFill>
-              <a:schemeClr val="accent3"/>
-            </a:solidFill>
-            <a:headEnd type="none" w="med" len="med"/>
-            <a:tailEnd type="none" w="med" len="med"/>
-          </a:ln>
-          <a:effectLst/>
-        </p:spPr>
-        <p:style>
-          <a:lnRef idx="1">
-            <a:schemeClr val="accent2"/>
-          </a:lnRef>
-          <a:fillRef idx="2">
-            <a:schemeClr val="accent2"/>
-          </a:fillRef>
-          <a:effectRef idx="1">
-            <a:schemeClr val="accent2"/>
-          </a:effectRef>
-          <a:fontRef idx="minor">
-            <a:schemeClr val="dk1"/>
-          </a:fontRef>
-        </p:style>
-      </p:cxnSp>
-      <p:sp>
-        <p:nvSpPr>
-          <p:cNvPr id="143" name="Rectangle 142"/>
-          <p:cNvSpPr/>
-          <p:nvPr/>
-        </p:nvSpPr>
-        <p:spPr>
-          <a:xfrm>
-            <a:off x="5435896" y="2743200"/>
-            <a:ext cx="229325" cy="166560"/>
-          </a:xfrm>
-          <a:prstGeom prst="rect">
-            <a:avLst/>
-          </a:prstGeom>
-          <a:solidFill>
-            <a:schemeClr val="accent3">
-              <a:lumMod val="20000"/>
-              <a:lumOff val="80000"/>
-              <a:alpha val="80000"/>
-            </a:schemeClr>
-          </a:solidFill>
-          <a:ln>
-            <a:noFill/>
-          </a:ln>
-          <a:effectLst>
-            <a:softEdge rad="31750"/>
-          </a:effectLst>
-        </p:spPr>
-        <p:style>
-          <a:lnRef idx="2">
-            <a:schemeClr val="accent1">
-              <a:shade val="50000"/>
-            </a:schemeClr>
-          </a:lnRef>
-          <a:fillRef idx="1">
-            <a:schemeClr val="accent1"/>
-          </a:fillRef>
-          <a:effectRef idx="0">
-            <a:schemeClr val="accent1"/>
-          </a:effectRef>
-          <a:fontRef idx="minor">
-            <a:schemeClr val="lt1"/>
-          </a:fontRef>
-        </p:style>
-        <p:txBody>
-          <a:bodyPr rtlCol="0" anchor="ctr"/>
-          <a:lstStyle/>
-          <a:p>
-            <a:pPr algn="ctr"/>
-            <a:endParaRPr lang="en-SG" dirty="0"/>
-          </a:p>
-        </p:txBody>
-      </p:sp>
-      <p:sp>
-        <p:nvSpPr>
-          <p:cNvPr id="116" name="Freeform 115"/>
-          <p:cNvSpPr/>
-          <p:nvPr/>
-        </p:nvSpPr>
-        <p:spPr>
-          <a:xfrm>
-            <a:off x="3687515" y="2809251"/>
-            <a:ext cx="3641220" cy="222751"/>
-          </a:xfrm>
-          <a:custGeom>
-            <a:avLst/>
-            <a:gdLst>
-              <a:gd name="connsiteX0" fmla="*/ 0 w 3048000"/>
-              <a:gd name="connsiteY0" fmla="*/ 203200 h 203200"/>
-              <a:gd name="connsiteX1" fmla="*/ 221673 w 3048000"/>
-              <a:gd name="connsiteY1" fmla="*/ 0 h 203200"/>
-              <a:gd name="connsiteX2" fmla="*/ 3048000 w 3048000"/>
-              <a:gd name="connsiteY2" fmla="*/ 0 h 203200"/>
-            </a:gdLst>
-            <a:ahLst/>
-            <a:cxnLst>
-              <a:cxn ang="0">
-                <a:pos x="connsiteX0" y="connsiteY0"/>
-              </a:cxn>
-              <a:cxn ang="0">
-                <a:pos x="connsiteX1" y="connsiteY1"/>
-              </a:cxn>
-              <a:cxn ang="0">
-                <a:pos x="connsiteX2" y="connsiteY2"/>
-              </a:cxn>
-            </a:cxnLst>
-            <a:rect l="l" t="t" r="r" b="b"/>
-            <a:pathLst>
-              <a:path w="3048000" h="203200">
-                <a:moveTo>
-                  <a:pt x="0" y="203200"/>
-                </a:moveTo>
-                <a:lnTo>
-                  <a:pt x="221673" y="0"/>
-                </a:lnTo>
-                <a:lnTo>
-                  <a:pt x="3048000" y="0"/>
-                </a:lnTo>
-              </a:path>
-            </a:pathLst>
-          </a:custGeom>
-          <a:noFill/>
-          <a:ln w="19050">
-            <a:solidFill>
-              <a:schemeClr val="accent3"/>
-            </a:solidFill>
-            <a:prstDash val="solid"/>
-            <a:headEnd type="none" w="med" len="med"/>
-            <a:tailEnd type="arrow" w="med" len="med"/>
-          </a:ln>
-          <a:effectLst/>
-        </p:spPr>
-        <p:style>
-          <a:lnRef idx="1">
-            <a:schemeClr val="accent2"/>
-          </a:lnRef>
-          <a:fillRef idx="2">
-            <a:schemeClr val="accent2"/>
-          </a:fillRef>
-          <a:effectRef idx="1">
-            <a:schemeClr val="accent2"/>
-          </a:effectRef>
-          <a:fontRef idx="minor">
-            <a:schemeClr val="dk1"/>
-          </a:fontRef>
-        </p:style>
-        <p:txBody>
-          <a:bodyPr rtlCol="0" anchor="ctr"/>
-          <a:lstStyle/>
-          <a:p>
-            <a:pPr algn="ctr"/>
-            <a:endParaRPr lang="en-SG" dirty="0"/>
-          </a:p>
-        </p:txBody>
-      </p:sp>
-      <p:sp>
-        <p:nvSpPr>
-          <p:cNvPr id="46" name="Rectangle 11">
-            <a:extLst>
-              <a:ext uri="{FF2B5EF4-FFF2-40B4-BE49-F238E27FC236}">
-                <a16:creationId xmlns:a16="http://schemas.microsoft.com/office/drawing/2014/main" id="{3C04A5F4-1CED-B148-8D49-41B50213BA65}"/>
-              </a:ext>
-            </a:extLst>
-          </p:cNvPr>
-          <p:cNvSpPr/>
-          <p:nvPr/>
-        </p:nvSpPr>
-        <p:spPr>
-          <a:xfrm>
-            <a:off x="3809865" y="4182759"/>
-            <a:ext cx="1093635" cy="236841"/>
-          </a:xfrm>
-          <a:prstGeom prst="rect">
-            <a:avLst/>
-          </a:prstGeom>
-          <a:ln w="19050">
-            <a:solidFill>
-              <a:schemeClr val="accent3"/>
-            </a:solidFill>
-          </a:ln>
-          <a:effectLst/>
-        </p:spPr>
-        <p:style>
-          <a:lnRef idx="1">
-            <a:schemeClr val="accent3"/>
-          </a:lnRef>
-          <a:fillRef idx="2">
-            <a:schemeClr val="accent3"/>
-          </a:fillRef>
-          <a:effectRef idx="1">
-            <a:schemeClr val="accent3"/>
-          </a:effectRef>
-          <a:fontRef idx="minor">
-            <a:schemeClr val="dk1"/>
-          </a:fontRef>
-        </p:style>
-        <p:txBody>
-          <a:bodyPr rtlCol="0" anchor="ctr"/>
-          <a:lstStyle/>
-          <a:p>
-            <a:pPr algn="ctr"/>
-            <a:r>
-              <a:rPr lang="en-US" sz="1050" b="1" dirty="0">
-                <a:solidFill>
-                  <a:schemeClr val="accent3">
-                    <a:lumMod val="75000"/>
-                  </a:schemeClr>
-                </a:solidFill>
-              </a:rPr>
-              <a:t>Display</a:t>
-            </a:r>
-            <a:endParaRPr lang="en-SG" sz="1050" b="1" dirty="0">
-              <a:solidFill>
-                <a:schemeClr val="accent3">
-                  <a:lumMod val="75000"/>
-                </a:schemeClr>
-              </a:solidFill>
-            </a:endParaRPr>
-          </a:p>
-        </p:txBody>
-      </p:sp>
-      <p:sp>
-        <p:nvSpPr>
-          <p:cNvPr id="48" name="Rectangle 11">
-            <a:extLst>
-              <a:ext uri="{FF2B5EF4-FFF2-40B4-BE49-F238E27FC236}">
-                <a16:creationId xmlns:a16="http://schemas.microsoft.com/office/drawing/2014/main" id="{E63BA790-D528-3A41-969F-DB26F044F917}"/>
-              </a:ext>
-            </a:extLst>
-          </p:cNvPr>
-          <p:cNvSpPr/>
-          <p:nvPr/>
-        </p:nvSpPr>
-        <p:spPr>
-          <a:xfrm>
-            <a:off x="3812958" y="4487559"/>
-            <a:ext cx="1093635" cy="236841"/>
-          </a:xfrm>
-          <a:prstGeom prst="rect">
-            <a:avLst/>
-          </a:prstGeom>
-          <a:ln w="19050">
-            <a:solidFill>
-              <a:schemeClr val="accent3"/>
-            </a:solidFill>
-          </a:ln>
-          <a:effectLst/>
-        </p:spPr>
-        <p:style>
-          <a:lnRef idx="1">
-            <a:schemeClr val="accent3"/>
-          </a:lnRef>
-          <a:fillRef idx="2">
-            <a:schemeClr val="accent3"/>
-          </a:fillRef>
-          <a:effectRef idx="1">
-            <a:schemeClr val="accent3"/>
-          </a:effectRef>
-          <a:fontRef idx="minor">
-            <a:schemeClr val="dk1"/>
-          </a:fontRef>
-        </p:style>
-        <p:txBody>
-          <a:bodyPr rtlCol="0" anchor="ctr"/>
-          <a:lstStyle/>
-          <a:p>
-            <a:pPr algn="ctr"/>
-            <a:r>
-              <a:rPr lang="en-US" sz="1050" b="1" dirty="0">
-                <a:solidFill>
-                  <a:schemeClr val="accent3">
-                    <a:lumMod val="75000"/>
-                  </a:schemeClr>
-                </a:solidFill>
-              </a:rPr>
-              <a:t>OrderListPanel</a:t>
-            </a:r>
-            <a:endParaRPr lang="en-SG" sz="1050" b="1" dirty="0">
-              <a:solidFill>
-                <a:schemeClr val="accent3">
-                  <a:lumMod val="75000"/>
-                </a:schemeClr>
-              </a:solidFill>
-            </a:endParaRPr>
-          </a:p>
-        </p:txBody>
-      </p:sp>
-      <p:sp>
-        <p:nvSpPr>
-          <p:cNvPr id="49" name="Rectangle 11">
-            <a:extLst>
-              <a:ext uri="{FF2B5EF4-FFF2-40B4-BE49-F238E27FC236}">
-                <a16:creationId xmlns:a16="http://schemas.microsoft.com/office/drawing/2014/main" id="{6DE51470-BFC8-F24D-B4C7-49ECDA9759C5}"/>
-              </a:ext>
-            </a:extLst>
-          </p:cNvPr>
-          <p:cNvSpPr/>
-          <p:nvPr/>
-        </p:nvSpPr>
-        <p:spPr>
-          <a:xfrm>
-            <a:off x="2779645" y="4785855"/>
-            <a:ext cx="1404231" cy="236841"/>
-          </a:xfrm>
-          <a:prstGeom prst="rect">
-            <a:avLst/>
-          </a:prstGeom>
-          <a:ln w="19050">
-            <a:solidFill>
-              <a:schemeClr val="accent3"/>
-            </a:solidFill>
-          </a:ln>
-          <a:effectLst/>
-        </p:spPr>
-        <p:style>
-          <a:lnRef idx="1">
-            <a:schemeClr val="accent3"/>
-          </a:lnRef>
-          <a:fillRef idx="2">
-            <a:schemeClr val="accent3"/>
-          </a:fillRef>
-          <a:effectRef idx="1">
-            <a:schemeClr val="accent3"/>
-          </a:effectRef>
-          <a:fontRef idx="minor">
-            <a:schemeClr val="dk1"/>
-          </a:fontRef>
-        </p:style>
-        <p:txBody>
-          <a:bodyPr rtlCol="0" anchor="ctr"/>
-          <a:lstStyle/>
-          <a:p>
-            <a:pPr algn="ctr"/>
-            <a:r>
-              <a:rPr lang="en-US" sz="1050" b="1" dirty="0">
-                <a:solidFill>
-                  <a:schemeClr val="accent3">
-                    <a:lumMod val="75000"/>
-                  </a:schemeClr>
-                </a:solidFill>
-              </a:rPr>
-              <a:t>DeliverymanListPanel</a:t>
-            </a:r>
-            <a:endParaRPr lang="en-SG" sz="1050" b="1" dirty="0">
-              <a:solidFill>
-                <a:schemeClr val="accent3">
-                  <a:lumMod val="75000"/>
-                </a:schemeClr>
-              </a:solidFill>
-            </a:endParaRPr>
-          </a:p>
-        </p:txBody>
-      </p:sp>
-      <p:sp>
-        <p:nvSpPr>
-          <p:cNvPr id="51" name="Rectangle 11">
-            <a:extLst>
-              <a:ext uri="{FF2B5EF4-FFF2-40B4-BE49-F238E27FC236}">
-                <a16:creationId xmlns:a16="http://schemas.microsoft.com/office/drawing/2014/main" id="{AEAE6F5E-8F13-554C-B5A4-E415CAEBB568}"/>
-              </a:ext>
-            </a:extLst>
-          </p:cNvPr>
-          <p:cNvSpPr/>
-          <p:nvPr/>
-        </p:nvSpPr>
-        <p:spPr>
-          <a:xfrm>
-            <a:off x="5042113" y="4512596"/>
-            <a:ext cx="1093635" cy="236841"/>
-          </a:xfrm>
-          <a:prstGeom prst="rect">
-            <a:avLst/>
-          </a:prstGeom>
-          <a:ln w="19050">
-            <a:solidFill>
-              <a:schemeClr val="accent3"/>
-            </a:solidFill>
-          </a:ln>
-          <a:effectLst/>
-        </p:spPr>
-        <p:style>
-          <a:lnRef idx="1">
-            <a:schemeClr val="accent3"/>
-          </a:lnRef>
-          <a:fillRef idx="2">
-            <a:schemeClr val="accent3"/>
-          </a:fillRef>
-          <a:effectRef idx="1">
-            <a:schemeClr val="accent3"/>
-          </a:effectRef>
-          <a:fontRef idx="minor">
-            <a:schemeClr val="dk1"/>
-          </a:fontRef>
-        </p:style>
-        <p:txBody>
-          <a:bodyPr rtlCol="0" anchor="ctr"/>
-          <a:lstStyle/>
-          <a:p>
-            <a:pPr algn="ctr"/>
-            <a:r>
-              <a:rPr lang="en-US" sz="1050" b="1" dirty="0">
-                <a:solidFill>
-                  <a:schemeClr val="accent3">
-                    <a:lumMod val="75000"/>
-                  </a:schemeClr>
-                </a:solidFill>
-              </a:rPr>
-              <a:t>OrderCard</a:t>
-            </a:r>
-            <a:endParaRPr lang="en-SG" sz="1050" b="1" dirty="0">
-              <a:solidFill>
-                <a:schemeClr val="accent3">
-                  <a:lumMod val="75000"/>
-                </a:schemeClr>
-              </a:solidFill>
-            </a:endParaRPr>
-          </a:p>
-        </p:txBody>
-      </p:sp>
-      <p:sp>
-        <p:nvSpPr>
-          <p:cNvPr id="52" name="Rectangle 11">
-            <a:extLst>
-              <a:ext uri="{FF2B5EF4-FFF2-40B4-BE49-F238E27FC236}">
-                <a16:creationId xmlns:a16="http://schemas.microsoft.com/office/drawing/2014/main" id="{BEABBB6E-ABEB-4243-AD75-8EEF527C47DD}"/>
-              </a:ext>
-            </a:extLst>
-          </p:cNvPr>
-          <p:cNvSpPr/>
-          <p:nvPr/>
-        </p:nvSpPr>
-        <p:spPr>
-          <a:xfrm>
-            <a:off x="4981136" y="4877080"/>
-            <a:ext cx="1147785" cy="236841"/>
-          </a:xfrm>
-          <a:prstGeom prst="rect">
-            <a:avLst/>
-          </a:prstGeom>
-          <a:ln w="19050">
-            <a:solidFill>
-              <a:schemeClr val="accent3"/>
-            </a:solidFill>
-          </a:ln>
-          <a:effectLst/>
-        </p:spPr>
-        <p:style>
-          <a:lnRef idx="1">
-            <a:schemeClr val="accent3"/>
-          </a:lnRef>
-          <a:fillRef idx="2">
-            <a:schemeClr val="accent3"/>
-          </a:fillRef>
-          <a:effectRef idx="1">
-            <a:schemeClr val="accent3"/>
-          </a:effectRef>
-          <a:fontRef idx="minor">
-            <a:schemeClr val="dk1"/>
-          </a:fontRef>
-        </p:style>
-        <p:txBody>
-          <a:bodyPr rtlCol="0" anchor="ctr"/>
-          <a:lstStyle/>
-          <a:p>
-            <a:pPr algn="ctr"/>
-            <a:r>
-              <a:rPr lang="en-US" sz="1050" b="1" dirty="0">
-                <a:solidFill>
-                  <a:schemeClr val="accent3">
-                    <a:lumMod val="75000"/>
-                  </a:schemeClr>
-                </a:solidFill>
-              </a:rPr>
-              <a:t>DeliverymanCard</a:t>
-            </a:r>
-            <a:endParaRPr lang="en-SG" sz="1050" b="1" dirty="0">
-              <a:solidFill>
-                <a:schemeClr val="accent3">
-                  <a:lumMod val="75000"/>
-                </a:schemeClr>
-              </a:solidFill>
-            </a:endParaRPr>
-          </a:p>
-        </p:txBody>
-      </p:sp>
-      <p:sp>
-        <p:nvSpPr>
-          <p:cNvPr id="54" name="Rectangle 11">
-            <a:extLst>
-              <a:ext uri="{FF2B5EF4-FFF2-40B4-BE49-F238E27FC236}">
-                <a16:creationId xmlns:a16="http://schemas.microsoft.com/office/drawing/2014/main" id="{79F88A2B-8B32-3F49-A0CF-9F755343CA50}"/>
-              </a:ext>
-            </a:extLst>
-          </p:cNvPr>
-          <p:cNvSpPr/>
-          <p:nvPr/>
-        </p:nvSpPr>
-        <p:spPr>
-          <a:xfrm>
-            <a:off x="5003740" y="3820660"/>
-            <a:ext cx="1093635" cy="236841"/>
-          </a:xfrm>
-          <a:prstGeom prst="rect">
-            <a:avLst/>
-          </a:prstGeom>
-          <a:ln w="19050">
-            <a:solidFill>
-              <a:schemeClr val="accent3"/>
-            </a:solidFill>
-          </a:ln>
-          <a:effectLst/>
-        </p:spPr>
-        <p:style>
-          <a:lnRef idx="1">
-            <a:schemeClr val="accent3"/>
-          </a:lnRef>
-          <a:fillRef idx="2">
-            <a:schemeClr val="accent3"/>
-          </a:fillRef>
-          <a:effectRef idx="1">
-            <a:schemeClr val="accent3"/>
-          </a:effectRef>
-          <a:fontRef idx="minor">
-            <a:schemeClr val="dk1"/>
-          </a:fontRef>
-        </p:style>
-        <p:txBody>
-          <a:bodyPr rtlCol="0" anchor="ctr"/>
-          <a:lstStyle/>
-          <a:p>
-            <a:pPr algn="ctr"/>
-            <a:r>
-              <a:rPr lang="en-US" sz="1050" b="1" dirty="0">
-                <a:solidFill>
-                  <a:schemeClr val="accent3">
-                    <a:lumMod val="75000"/>
-                  </a:schemeClr>
-                </a:solidFill>
-              </a:rPr>
-              <a:t>MapPanel</a:t>
-            </a:r>
-            <a:endParaRPr lang="en-SG" sz="1050" b="1" dirty="0">
-              <a:solidFill>
-                <a:schemeClr val="accent3">
-                  <a:lumMod val="75000"/>
-                </a:schemeClr>
-              </a:solidFill>
-            </a:endParaRPr>
-          </a:p>
-        </p:txBody>
-      </p:sp>
-      <p:sp>
-        <p:nvSpPr>
-          <p:cNvPr id="55" name="Rectangle 11">
-            <a:extLst>
-              <a:ext uri="{FF2B5EF4-FFF2-40B4-BE49-F238E27FC236}">
-                <a16:creationId xmlns:a16="http://schemas.microsoft.com/office/drawing/2014/main" id="{D82D4840-24B2-5642-AD11-07B06D81D3BC}"/>
-              </a:ext>
-            </a:extLst>
-          </p:cNvPr>
-          <p:cNvSpPr/>
-          <p:nvPr/>
-        </p:nvSpPr>
-        <p:spPr>
-          <a:xfrm>
-            <a:off x="5027203" y="4187599"/>
-            <a:ext cx="1093635" cy="236841"/>
-          </a:xfrm>
-          <a:prstGeom prst="rect">
-            <a:avLst/>
-          </a:prstGeom>
-          <a:ln w="19050">
-            <a:solidFill>
-              <a:schemeClr val="accent3"/>
-            </a:solidFill>
-          </a:ln>
-          <a:effectLst/>
-        </p:spPr>
-        <p:style>
-          <a:lnRef idx="1">
-            <a:schemeClr val="accent3"/>
-          </a:lnRef>
-          <a:fillRef idx="2">
-            <a:schemeClr val="accent3"/>
-          </a:fillRef>
-          <a:effectRef idx="1">
-            <a:schemeClr val="accent3"/>
-          </a:effectRef>
-          <a:fontRef idx="minor">
-            <a:schemeClr val="dk1"/>
-          </a:fontRef>
-        </p:style>
-        <p:txBody>
-          <a:bodyPr rtlCol="0" anchor="ctr"/>
-          <a:lstStyle/>
-          <a:p>
-            <a:pPr algn="ctr"/>
-            <a:r>
-              <a:rPr lang="en-US" sz="1050" b="1" dirty="0">
-                <a:solidFill>
-                  <a:schemeClr val="accent3">
-                    <a:lumMod val="75000"/>
-                  </a:schemeClr>
-                </a:solidFill>
-              </a:rPr>
-              <a:t>StatisticsPanel</a:t>
-            </a:r>
-            <a:endParaRPr lang="en-SG" sz="1050" b="1" dirty="0">
-              <a:solidFill>
-                <a:schemeClr val="accent3">
-                  <a:lumMod val="75000"/>
-                </a:schemeClr>
-              </a:solidFill>
-            </a:endParaRPr>
-          </a:p>
-        </p:txBody>
-      </p:sp>
-      <p:cxnSp>
-        <p:nvCxnSpPr>
-          <p:cNvPr id="72" name="Elbow Connector 63">
-            <a:extLst>
-              <a:ext uri="{FF2B5EF4-FFF2-40B4-BE49-F238E27FC236}">
-                <a16:creationId xmlns:a16="http://schemas.microsoft.com/office/drawing/2014/main" id="{2545E8B1-CD8A-3A41-86C9-4C9E25119184}"/>
-              </a:ext>
-            </a:extLst>
-          </p:cNvPr>
-          <p:cNvCxnSpPr>
-            <a:cxnSpLocks/>
-          </p:cNvCxnSpPr>
-          <p:nvPr/>
-        </p:nvCxnSpPr>
-        <p:spPr>
-          <a:xfrm rot="16200000" flipH="1">
-            <a:off x="2842579" y="4403662"/>
-            <a:ext cx="557054" cy="207331"/>
-          </a:xfrm>
-          <a:prstGeom prst="bentConnector3">
-            <a:avLst>
-              <a:gd name="adj1" fmla="val 50000"/>
-            </a:avLst>
-          </a:prstGeom>
-          <a:ln w="19050">
-            <a:solidFill>
-              <a:schemeClr val="accent3"/>
-            </a:solidFill>
-            <a:headEnd type="none" w="med" len="med"/>
-            <a:tailEnd type="arrow" w="med" len="med"/>
-          </a:ln>
-          <a:effectLst/>
-        </p:spPr>
-        <p:style>
-          <a:lnRef idx="1">
-            <a:schemeClr val="accent2"/>
-          </a:lnRef>
-          <a:fillRef idx="2">
-            <a:schemeClr val="accent2"/>
-          </a:fillRef>
-          <a:effectRef idx="1">
-            <a:schemeClr val="accent2"/>
-          </a:effectRef>
-          <a:fontRef idx="minor">
-            <a:schemeClr val="dk1"/>
-          </a:fontRef>
-        </p:style>
-      </p:cxnSp>
-      <p:cxnSp>
-        <p:nvCxnSpPr>
-          <p:cNvPr id="76" name="Elbow Connector 63">
-            <a:extLst>
-              <a:ext uri="{FF2B5EF4-FFF2-40B4-BE49-F238E27FC236}">
-                <a16:creationId xmlns:a16="http://schemas.microsoft.com/office/drawing/2014/main" id="{436352A9-794A-A04D-834E-CCD75C10913C}"/>
-              </a:ext>
-            </a:extLst>
-          </p:cNvPr>
-          <p:cNvCxnSpPr>
-            <a:cxnSpLocks/>
-            <a:endCxn id="46" idx="1"/>
-          </p:cNvCxnSpPr>
-          <p:nvPr/>
-        </p:nvCxnSpPr>
-        <p:spPr>
-          <a:xfrm>
-            <a:off x="3266324" y="4228801"/>
-            <a:ext cx="543541" cy="72379"/>
-          </a:xfrm>
-          <a:prstGeom prst="bentConnector3">
-            <a:avLst>
-              <a:gd name="adj1" fmla="val 50000"/>
-            </a:avLst>
-          </a:prstGeom>
-          <a:ln w="19050">
-            <a:solidFill>
-              <a:schemeClr val="accent3"/>
-            </a:solidFill>
-            <a:headEnd type="none" w="med" len="med"/>
-            <a:tailEnd type="arrow" w="med" len="med"/>
-          </a:ln>
-          <a:effectLst/>
-        </p:spPr>
-        <p:style>
-          <a:lnRef idx="1">
-            <a:schemeClr val="accent2"/>
-          </a:lnRef>
-          <a:fillRef idx="2">
-            <a:schemeClr val="accent2"/>
-          </a:fillRef>
-          <a:effectRef idx="1">
-            <a:schemeClr val="accent2"/>
-          </a:effectRef>
-          <a:fontRef idx="minor">
-            <a:schemeClr val="dk1"/>
-          </a:fontRef>
-        </p:style>
-      </p:cxnSp>
-      <p:cxnSp>
-        <p:nvCxnSpPr>
-          <p:cNvPr id="65" name="Elbow Connector 64">
-            <a:extLst>
-              <a:ext uri="{FF2B5EF4-FFF2-40B4-BE49-F238E27FC236}">
-                <a16:creationId xmlns:a16="http://schemas.microsoft.com/office/drawing/2014/main" id="{7609D3D6-6920-7E44-90DD-EB2186D2FC4F}"/>
-              </a:ext>
-            </a:extLst>
-          </p:cNvPr>
-          <p:cNvCxnSpPr>
-            <a:cxnSpLocks/>
-            <a:endCxn id="48" idx="1"/>
-          </p:cNvCxnSpPr>
-          <p:nvPr/>
-        </p:nvCxnSpPr>
-        <p:spPr>
-          <a:xfrm>
-            <a:off x="3352800" y="4228800"/>
-            <a:ext cx="460158" cy="377180"/>
-          </a:xfrm>
-          <a:prstGeom prst="bentConnector3">
-            <a:avLst>
-              <a:gd name="adj1" fmla="val -2293"/>
-            </a:avLst>
-          </a:prstGeom>
-          <a:ln w="19050">
-            <a:solidFill>
-              <a:schemeClr val="accent3"/>
-            </a:solidFill>
-            <a:tailEnd type="triangle"/>
-          </a:ln>
-        </p:spPr>
-        <p:style>
-          <a:lnRef idx="1">
-            <a:schemeClr val="accent1"/>
-          </a:lnRef>
-          <a:fillRef idx="0">
-            <a:schemeClr val="accent1"/>
-          </a:fillRef>
-          <a:effectRef idx="0">
-            <a:schemeClr val="accent1"/>
-          </a:effectRef>
-          <a:fontRef idx="minor">
-            <a:schemeClr val="tx1"/>
-          </a:fontRef>
-        </p:style>
-      </p:cxnSp>
-      <p:cxnSp>
-        <p:nvCxnSpPr>
-          <p:cNvPr id="69" name="Elbow Connector 68">
-            <a:extLst>
-              <a:ext uri="{FF2B5EF4-FFF2-40B4-BE49-F238E27FC236}">
-                <a16:creationId xmlns:a16="http://schemas.microsoft.com/office/drawing/2014/main" id="{FD2641F4-9D29-D645-9BF2-C9E53B501673}"/>
-              </a:ext>
-            </a:extLst>
-          </p:cNvPr>
-          <p:cNvCxnSpPr>
-            <a:cxnSpLocks/>
-            <a:stCxn id="46" idx="0"/>
-            <a:endCxn id="54" idx="1"/>
-          </p:cNvCxnSpPr>
-          <p:nvPr/>
-        </p:nvCxnSpPr>
-        <p:spPr>
-          <a:xfrm rot="5400000" flipH="1" flipV="1">
-            <a:off x="4558372" y="3737392"/>
-            <a:ext cx="243678" cy="647057"/>
-          </a:xfrm>
-          <a:prstGeom prst="bentConnector2">
-            <a:avLst/>
-          </a:prstGeom>
-          <a:ln w="19050">
-            <a:solidFill>
-              <a:schemeClr val="accent3"/>
-            </a:solidFill>
-            <a:tailEnd type="triangle"/>
-          </a:ln>
-        </p:spPr>
-        <p:style>
-          <a:lnRef idx="1">
-            <a:schemeClr val="accent1"/>
-          </a:lnRef>
-          <a:fillRef idx="0">
-            <a:schemeClr val="accent1"/>
-          </a:fillRef>
-          <a:effectRef idx="0">
-            <a:schemeClr val="accent1"/>
-          </a:effectRef>
-          <a:fontRef idx="minor">
-            <a:schemeClr val="tx1"/>
-          </a:fontRef>
-        </p:style>
-      </p:cxnSp>
-      <p:cxnSp>
-        <p:nvCxnSpPr>
-          <p:cNvPr id="95" name="Elbow Connector 94">
-            <a:extLst>
-              <a:ext uri="{FF2B5EF4-FFF2-40B4-BE49-F238E27FC236}">
-                <a16:creationId xmlns:a16="http://schemas.microsoft.com/office/drawing/2014/main" id="{44357ADD-5318-E142-9FF0-C111C618DB9F}"/>
-              </a:ext>
-            </a:extLst>
-          </p:cNvPr>
-          <p:cNvCxnSpPr>
-            <a:cxnSpLocks/>
-            <a:endCxn id="52" idx="1"/>
-          </p:cNvCxnSpPr>
-          <p:nvPr/>
-        </p:nvCxnSpPr>
-        <p:spPr>
-          <a:xfrm>
-            <a:off x="4183878" y="4877082"/>
-            <a:ext cx="797258" cy="118419"/>
-          </a:xfrm>
-          <a:prstGeom prst="bentConnector3">
-            <a:avLst>
-              <a:gd name="adj1" fmla="val 50000"/>
-            </a:avLst>
-          </a:prstGeom>
-          <a:ln w="19050">
-            <a:solidFill>
-              <a:schemeClr val="accent3"/>
-            </a:solidFill>
-            <a:tailEnd type="triangle"/>
-          </a:ln>
-        </p:spPr>
-        <p:style>
-          <a:lnRef idx="1">
-            <a:schemeClr val="accent1"/>
-          </a:lnRef>
-          <a:fillRef idx="0">
-            <a:schemeClr val="accent1"/>
-          </a:fillRef>
-          <a:effectRef idx="0">
-            <a:schemeClr val="accent1"/>
-          </a:effectRef>
-          <a:fontRef idx="minor">
-            <a:schemeClr val="tx1"/>
-          </a:fontRef>
-        </p:style>
-      </p:cxnSp>
-      <p:cxnSp>
-        <p:nvCxnSpPr>
-          <p:cNvPr id="81" name="Straight Arrow Connector 80">
-            <a:extLst>
-              <a:ext uri="{FF2B5EF4-FFF2-40B4-BE49-F238E27FC236}">
-                <a16:creationId xmlns:a16="http://schemas.microsoft.com/office/drawing/2014/main" id="{E99AD8B5-313E-5B43-A924-0942722183BE}"/>
-              </a:ext>
-            </a:extLst>
-          </p:cNvPr>
-          <p:cNvCxnSpPr>
-            <a:stCxn id="46" idx="3"/>
-            <a:endCxn id="55" idx="1"/>
-          </p:cNvCxnSpPr>
-          <p:nvPr/>
-        </p:nvCxnSpPr>
-        <p:spPr>
-          <a:xfrm>
-            <a:off x="4903500" y="4301180"/>
-            <a:ext cx="123703" cy="4840"/>
-          </a:xfrm>
-          <a:prstGeom prst="straightConnector1">
-            <a:avLst/>
-          </a:prstGeom>
-          <a:ln w="19050">
-            <a:solidFill>
-              <a:schemeClr val="accent3"/>
-            </a:solidFill>
-            <a:tailEnd type="triangle"/>
-          </a:ln>
-        </p:spPr>
-        <p:style>
-          <a:lnRef idx="1">
-            <a:schemeClr val="accent1"/>
-          </a:lnRef>
-          <a:fillRef idx="0">
-            <a:schemeClr val="accent1"/>
-          </a:fillRef>
-          <a:effectRef idx="0">
-            <a:schemeClr val="accent1"/>
-          </a:effectRef>
-          <a:fontRef idx="minor">
-            <a:schemeClr val="tx1"/>
-          </a:fontRef>
-        </p:style>
-      </p:cxnSp>
-      <p:cxnSp>
-        <p:nvCxnSpPr>
-          <p:cNvPr id="84" name="Straight Arrow Connector 83">
-            <a:extLst>
-              <a:ext uri="{FF2B5EF4-FFF2-40B4-BE49-F238E27FC236}">
-                <a16:creationId xmlns:a16="http://schemas.microsoft.com/office/drawing/2014/main" id="{D93419E0-7E28-2543-A01B-018A56908328}"/>
-              </a:ext>
-            </a:extLst>
-          </p:cNvPr>
-          <p:cNvCxnSpPr>
-            <a:stCxn id="48" idx="3"/>
-            <a:endCxn id="51" idx="1"/>
-          </p:cNvCxnSpPr>
-          <p:nvPr/>
-        </p:nvCxnSpPr>
-        <p:spPr>
-          <a:xfrm>
-            <a:off x="4906593" y="4605980"/>
-            <a:ext cx="135520" cy="25037"/>
-          </a:xfrm>
-          <a:prstGeom prst="straightConnector1">
-            <a:avLst/>
-          </a:prstGeom>
-          <a:ln w="19050">
-            <a:solidFill>
-              <a:schemeClr val="accent3"/>
-            </a:solidFill>
-            <a:tailEnd type="triangle"/>
-          </a:ln>
-        </p:spPr>
-        <p:style>
-          <a:lnRef idx="1">
-            <a:schemeClr val="accent1"/>
-          </a:lnRef>
-          <a:fillRef idx="0">
-            <a:schemeClr val="accent1"/>
-          </a:fillRef>
-          <a:effectRef idx="0">
-            <a:schemeClr val="accent1"/>
-          </a:effectRef>
-          <a:fontRef idx="minor">
-            <a:schemeClr val="tx1"/>
-          </a:fontRef>
-        </p:style>
-      </p:cxnSp>
-      <p:cxnSp>
-        <p:nvCxnSpPr>
-          <p:cNvPr id="108" name="Elbow Connector 63">
-            <a:extLst>
-              <a:ext uri="{FF2B5EF4-FFF2-40B4-BE49-F238E27FC236}">
-                <a16:creationId xmlns:a16="http://schemas.microsoft.com/office/drawing/2014/main" id="{0F85EC50-3DC6-024D-934D-8F24283504E4}"/>
-              </a:ext>
-            </a:extLst>
-          </p:cNvPr>
-          <p:cNvCxnSpPr>
-            <a:cxnSpLocks/>
-            <a:stCxn id="16" idx="3"/>
-            <a:endCxn id="54" idx="3"/>
-          </p:cNvCxnSpPr>
-          <p:nvPr/>
-        </p:nvCxnSpPr>
-        <p:spPr>
-          <a:xfrm rot="5400000">
-            <a:off x="5361016" y="3017399"/>
-            <a:ext cx="1658041" cy="185322"/>
-          </a:xfrm>
-          <a:prstGeom prst="bentConnector2">
-            <a:avLst/>
-          </a:prstGeom>
-          <a:ln w="6350">
-            <a:solidFill>
-              <a:schemeClr val="accent3"/>
-            </a:solidFill>
-            <a:headEnd type="none" w="med" len="med"/>
-            <a:tailEnd type="none" w="med" len="med"/>
-          </a:ln>
-          <a:effectLst/>
-        </p:spPr>
-        <p:style>
-          <a:lnRef idx="1">
-            <a:schemeClr val="accent2"/>
-          </a:lnRef>
-          <a:fillRef idx="2">
-            <a:schemeClr val="accent2"/>
-          </a:fillRef>
-          <a:effectRef idx="1">
-            <a:schemeClr val="accent2"/>
-          </a:effectRef>
-          <a:fontRef idx="minor">
-            <a:schemeClr val="dk1"/>
-          </a:fontRef>
-        </p:style>
-      </p:cxnSp>
-      <p:cxnSp>
-        <p:nvCxnSpPr>
-          <p:cNvPr id="112" name="Elbow Connector 63">
-            <a:extLst>
-              <a:ext uri="{FF2B5EF4-FFF2-40B4-BE49-F238E27FC236}">
-                <a16:creationId xmlns:a16="http://schemas.microsoft.com/office/drawing/2014/main" id="{15A77954-61DA-E543-B690-4CB491524029}"/>
-              </a:ext>
-            </a:extLst>
-          </p:cNvPr>
-          <p:cNvCxnSpPr>
-            <a:cxnSpLocks/>
-            <a:stCxn id="16" idx="3"/>
-            <a:endCxn id="55" idx="3"/>
-          </p:cNvCxnSpPr>
-          <p:nvPr/>
-        </p:nvCxnSpPr>
-        <p:spPr>
-          <a:xfrm rot="5400000">
-            <a:off x="5189278" y="3212601"/>
-            <a:ext cx="2024980" cy="161859"/>
-          </a:xfrm>
-          <a:prstGeom prst="bentConnector2">
-            <a:avLst/>
-          </a:prstGeom>
-          <a:ln w="6350">
-            <a:solidFill>
-              <a:schemeClr val="accent3"/>
-            </a:solidFill>
-            <a:headEnd type="none" w="med" len="med"/>
-            <a:tailEnd type="none" w="med" len="med"/>
-          </a:ln>
-          <a:effectLst/>
-        </p:spPr>
-        <p:style>
-          <a:lnRef idx="1">
-            <a:schemeClr val="accent2"/>
-          </a:lnRef>
-          <a:fillRef idx="2">
-            <a:schemeClr val="accent2"/>
-          </a:fillRef>
-          <a:effectRef idx="1">
-            <a:schemeClr val="accent2"/>
-          </a:effectRef>
-          <a:fontRef idx="minor">
-            <a:schemeClr val="dk1"/>
-          </a:fontRef>
-        </p:style>
-      </p:cxnSp>
-      <p:cxnSp>
-        <p:nvCxnSpPr>
-          <p:cNvPr id="122" name="Elbow Connector 63">
-            <a:extLst>
-              <a:ext uri="{FF2B5EF4-FFF2-40B4-BE49-F238E27FC236}">
-                <a16:creationId xmlns:a16="http://schemas.microsoft.com/office/drawing/2014/main" id="{A28BBB72-9CEA-6048-A61E-26933726438C}"/>
-              </a:ext>
-            </a:extLst>
-          </p:cNvPr>
-          <p:cNvCxnSpPr>
-            <a:cxnSpLocks/>
-            <a:stCxn id="16" idx="3"/>
-            <a:endCxn id="51" idx="3"/>
-          </p:cNvCxnSpPr>
-          <p:nvPr/>
-        </p:nvCxnSpPr>
-        <p:spPr>
-          <a:xfrm rot="5400000">
-            <a:off x="5034235" y="3382554"/>
-            <a:ext cx="2349977" cy="146949"/>
-          </a:xfrm>
-          <a:prstGeom prst="bentConnector2">
-            <a:avLst/>
-          </a:prstGeom>
-          <a:ln w="6350">
-            <a:solidFill>
-              <a:schemeClr val="accent3"/>
-            </a:solidFill>
-            <a:headEnd type="none" w="med" len="med"/>
-            <a:tailEnd type="none" w="med" len="med"/>
-          </a:ln>
-          <a:effectLst/>
-        </p:spPr>
-        <p:style>
-          <a:lnRef idx="1">
-            <a:schemeClr val="accent2"/>
-          </a:lnRef>
-          <a:fillRef idx="2">
-            <a:schemeClr val="accent2"/>
-          </a:fillRef>
-          <a:effectRef idx="1">
-            <a:schemeClr val="accent2"/>
-          </a:effectRef>
-          <a:fontRef idx="minor">
-            <a:schemeClr val="dk1"/>
-          </a:fontRef>
-        </p:style>
-      </p:cxnSp>
-      <p:cxnSp>
-        <p:nvCxnSpPr>
-          <p:cNvPr id="123" name="Elbow Connector 63">
-            <a:extLst>
-              <a:ext uri="{FF2B5EF4-FFF2-40B4-BE49-F238E27FC236}">
-                <a16:creationId xmlns:a16="http://schemas.microsoft.com/office/drawing/2014/main" id="{7323032C-3DEB-3242-B6CD-73D67CC8E772}"/>
-              </a:ext>
-            </a:extLst>
-          </p:cNvPr>
-          <p:cNvCxnSpPr>
-            <a:cxnSpLocks/>
-            <a:stCxn id="16" idx="3"/>
-            <a:endCxn id="52" idx="3"/>
-          </p:cNvCxnSpPr>
-          <p:nvPr/>
-        </p:nvCxnSpPr>
-        <p:spPr>
-          <a:xfrm rot="5400000">
-            <a:off x="4848579" y="3561382"/>
-            <a:ext cx="2714461" cy="153776"/>
-          </a:xfrm>
-          <a:prstGeom prst="bentConnector2">
-            <a:avLst/>
-          </a:prstGeom>
-          <a:ln w="6350">
-            <a:solidFill>
-              <a:schemeClr val="accent3"/>
-            </a:solidFill>
-            <a:headEnd type="none" w="med" len="med"/>
-            <a:tailEnd type="none" w="med" len="med"/>
-          </a:ln>
-          <a:effectLst/>
-        </p:spPr>
-        <p:style>
-          <a:lnRef idx="1">
-            <a:schemeClr val="accent2"/>
-          </a:lnRef>
-          <a:fillRef idx="2">
-            <a:schemeClr val="accent2"/>
-          </a:fillRef>
-          <a:effectRef idx="1">
-            <a:schemeClr val="accent2"/>
-          </a:effectRef>
-          <a:fontRef idx="minor">
-            <a:schemeClr val="dk1"/>
-          </a:fontRef>
-        </p:style>
-      </p:cxnSp>
-      <p:sp>
-        <p:nvSpPr>
-          <p:cNvPr id="124" name="Freeform 123">
-            <a:extLst>
-              <a:ext uri="{FF2B5EF4-FFF2-40B4-BE49-F238E27FC236}">
-                <a16:creationId xmlns:a16="http://schemas.microsoft.com/office/drawing/2014/main" id="{1DC504AB-82B9-764E-955E-A80C49CB49F8}"/>
-              </a:ext>
-            </a:extLst>
-          </p:cNvPr>
-          <p:cNvSpPr/>
-          <p:nvPr/>
-        </p:nvSpPr>
-        <p:spPr>
-          <a:xfrm flipV="1">
-            <a:off x="6135748" y="4982543"/>
-            <a:ext cx="1192987" cy="131378"/>
-          </a:xfrm>
-          <a:custGeom>
-            <a:avLst/>
-            <a:gdLst>
-              <a:gd name="connsiteX0" fmla="*/ 0 w 3048000"/>
-              <a:gd name="connsiteY0" fmla="*/ 203200 h 203200"/>
-              <a:gd name="connsiteX1" fmla="*/ 221673 w 3048000"/>
-              <a:gd name="connsiteY1" fmla="*/ 0 h 203200"/>
-              <a:gd name="connsiteX2" fmla="*/ 3048000 w 3048000"/>
-              <a:gd name="connsiteY2" fmla="*/ 0 h 203200"/>
-            </a:gdLst>
-            <a:ahLst/>
-            <a:cxnLst>
-              <a:cxn ang="0">
-                <a:pos x="connsiteX0" y="connsiteY0"/>
-              </a:cxn>
-              <a:cxn ang="0">
-                <a:pos x="connsiteX1" y="connsiteY1"/>
-              </a:cxn>
-              <a:cxn ang="0">
-                <a:pos x="connsiteX2" y="connsiteY2"/>
-              </a:cxn>
-            </a:cxnLst>
-            <a:rect l="l" t="t" r="r" b="b"/>
-            <a:pathLst>
-              <a:path w="3048000" h="203200">
-                <a:moveTo>
-                  <a:pt x="0" y="203200"/>
-                </a:moveTo>
-                <a:lnTo>
-                  <a:pt x="221673" y="0"/>
-                </a:lnTo>
-                <a:lnTo>
-                  <a:pt x="3048000" y="0"/>
-                </a:lnTo>
-              </a:path>
-            </a:pathLst>
-          </a:custGeom>
-          <a:noFill/>
-          <a:ln w="19050">
-            <a:solidFill>
-              <a:schemeClr val="accent3"/>
-            </a:solidFill>
-            <a:prstDash val="sysDot"/>
-            <a:headEnd type="none" w="med" len="med"/>
-            <a:tailEnd type="arrow" w="med" len="med"/>
-          </a:ln>
-          <a:effectLst/>
-        </p:spPr>
-        <p:style>
-          <a:lnRef idx="1">
-            <a:schemeClr val="accent2"/>
-          </a:lnRef>
-          <a:fillRef idx="2">
-            <a:schemeClr val="accent2"/>
-          </a:fillRef>
-          <a:effectRef idx="1">
-            <a:schemeClr val="accent2"/>
-          </a:effectRef>
-          <a:fontRef idx="minor">
-            <a:schemeClr val="dk1"/>
-          </a:fontRef>
-        </p:style>
-        <p:txBody>
-          <a:bodyPr rtlCol="0" anchor="ctr"/>
-          <a:lstStyle/>
-          <a:p>
-            <a:pPr algn="ctr"/>
-            <a:endParaRPr lang="en-SG" dirty="0"/>
-          </a:p>
-        </p:txBody>
-      </p:sp>
-      <p:sp>
-        <p:nvSpPr>
-          <p:cNvPr id="126" name="Freeform 125">
-            <a:extLst>
-              <a:ext uri="{FF2B5EF4-FFF2-40B4-BE49-F238E27FC236}">
-                <a16:creationId xmlns:a16="http://schemas.microsoft.com/office/drawing/2014/main" id="{39DA5F72-6C3B-C143-9A1F-770D51A4C4F0}"/>
-              </a:ext>
-            </a:extLst>
-          </p:cNvPr>
-          <p:cNvSpPr/>
-          <p:nvPr/>
-        </p:nvSpPr>
-        <p:spPr>
-          <a:xfrm flipV="1">
-            <a:off x="6125363" y="4701997"/>
-            <a:ext cx="1192987" cy="131378"/>
-          </a:xfrm>
-          <a:custGeom>
-            <a:avLst/>
-            <a:gdLst>
-              <a:gd name="connsiteX0" fmla="*/ 0 w 3048000"/>
-              <a:gd name="connsiteY0" fmla="*/ 203200 h 203200"/>
-              <a:gd name="connsiteX1" fmla="*/ 221673 w 3048000"/>
-              <a:gd name="connsiteY1" fmla="*/ 0 h 203200"/>
-              <a:gd name="connsiteX2" fmla="*/ 3048000 w 3048000"/>
-              <a:gd name="connsiteY2" fmla="*/ 0 h 203200"/>
-            </a:gdLst>
-            <a:ahLst/>
-            <a:cxnLst>
-              <a:cxn ang="0">
-                <a:pos x="connsiteX0" y="connsiteY0"/>
-              </a:cxn>
-              <a:cxn ang="0">
-                <a:pos x="connsiteX1" y="connsiteY1"/>
-              </a:cxn>
-              <a:cxn ang="0">
-                <a:pos x="connsiteX2" y="connsiteY2"/>
-              </a:cxn>
-            </a:cxnLst>
-            <a:rect l="l" t="t" r="r" b="b"/>
-            <a:pathLst>
-              <a:path w="3048000" h="203200">
-                <a:moveTo>
-                  <a:pt x="0" y="203200"/>
-                </a:moveTo>
-                <a:lnTo>
-                  <a:pt x="221673" y="0"/>
-                </a:lnTo>
-                <a:lnTo>
-                  <a:pt x="3048000" y="0"/>
-                </a:lnTo>
-              </a:path>
-            </a:pathLst>
-          </a:custGeom>
-          <a:noFill/>
-          <a:ln w="19050">
-            <a:solidFill>
-              <a:schemeClr val="accent3"/>
-            </a:solidFill>
-            <a:prstDash val="sysDot"/>
-            <a:headEnd type="none" w="med" len="med"/>
-            <a:tailEnd type="arrow" w="med" len="med"/>
-          </a:ln>
-          <a:effectLst/>
-        </p:spPr>
-        <p:style>
-          <a:lnRef idx="1">
-            <a:schemeClr val="accent2"/>
-          </a:lnRef>
-          <a:fillRef idx="2">
-            <a:schemeClr val="accent2"/>
-          </a:fillRef>
-          <a:effectRef idx="1">
-            <a:schemeClr val="accent2"/>
-          </a:effectRef>
-          <a:fontRef idx="minor">
-            <a:schemeClr val="dk1"/>
-          </a:fontRef>
-        </p:style>
-        <p:txBody>
-          <a:bodyPr rtlCol="0" anchor="ctr"/>
-          <a:lstStyle/>
-          <a:p>
-            <a:pPr algn="ctr"/>
-            <a:endParaRPr lang="en-SG" dirty="0"/>
-          </a:p>
-        </p:txBody>
-      </p:sp>
-      <p:sp>
-        <p:nvSpPr>
-          <p:cNvPr id="127" name="Freeform 126">
-            <a:extLst>
-              <a:ext uri="{FF2B5EF4-FFF2-40B4-BE49-F238E27FC236}">
-                <a16:creationId xmlns:a16="http://schemas.microsoft.com/office/drawing/2014/main" id="{972E9E7E-0E2B-F444-AE0D-9AFB935240E6}"/>
-              </a:ext>
-            </a:extLst>
-          </p:cNvPr>
-          <p:cNvSpPr/>
-          <p:nvPr/>
-        </p:nvSpPr>
-        <p:spPr>
-          <a:xfrm flipV="1">
-            <a:off x="6125362" y="4364042"/>
-            <a:ext cx="1192987" cy="131378"/>
-          </a:xfrm>
-          <a:custGeom>
-            <a:avLst/>
-            <a:gdLst>
-              <a:gd name="connsiteX0" fmla="*/ 0 w 3048000"/>
-              <a:gd name="connsiteY0" fmla="*/ 203200 h 203200"/>
-              <a:gd name="connsiteX1" fmla="*/ 221673 w 3048000"/>
-              <a:gd name="connsiteY1" fmla="*/ 0 h 203200"/>
-              <a:gd name="connsiteX2" fmla="*/ 3048000 w 3048000"/>
-              <a:gd name="connsiteY2" fmla="*/ 0 h 203200"/>
-            </a:gdLst>
-            <a:ahLst/>
-            <a:cxnLst>
-              <a:cxn ang="0">
-                <a:pos x="connsiteX0" y="connsiteY0"/>
-              </a:cxn>
-              <a:cxn ang="0">
-                <a:pos x="connsiteX1" y="connsiteY1"/>
-              </a:cxn>
-              <a:cxn ang="0">
-                <a:pos x="connsiteX2" y="connsiteY2"/>
-              </a:cxn>
-            </a:cxnLst>
-            <a:rect l="l" t="t" r="r" b="b"/>
-            <a:pathLst>
-              <a:path w="3048000" h="203200">
-                <a:moveTo>
-                  <a:pt x="0" y="203200"/>
-                </a:moveTo>
-                <a:lnTo>
-                  <a:pt x="221673" y="0"/>
-                </a:lnTo>
-                <a:lnTo>
-                  <a:pt x="3048000" y="0"/>
-                </a:lnTo>
-              </a:path>
-            </a:pathLst>
-          </a:custGeom>
-          <a:noFill/>
-          <a:ln w="19050">
-            <a:solidFill>
-              <a:schemeClr val="accent3"/>
-            </a:solidFill>
-            <a:prstDash val="sysDot"/>
-            <a:headEnd type="none" w="med" len="med"/>
-            <a:tailEnd type="arrow" w="med" len="med"/>
-          </a:ln>
-          <a:effectLst/>
-        </p:spPr>
-        <p:style>
-          <a:lnRef idx="1">
-            <a:schemeClr val="accent2"/>
-          </a:lnRef>
-          <a:fillRef idx="2">
-            <a:schemeClr val="accent2"/>
-          </a:fillRef>
-          <a:effectRef idx="1">
-            <a:schemeClr val="accent2"/>
-          </a:effectRef>
-          <a:fontRef idx="minor">
-            <a:schemeClr val="dk1"/>
-          </a:fontRef>
-        </p:style>
-        <p:txBody>
-          <a:bodyPr rtlCol="0" anchor="ctr"/>
-          <a:lstStyle/>
-          <a:p>
-            <a:pPr algn="ctr"/>
-            <a:endParaRPr lang="en-SG" dirty="0"/>
-          </a:p>
-        </p:txBody>
-      </p:sp>
-      <p:sp>
-        <p:nvSpPr>
-          <p:cNvPr id="128" name="Freeform 127">
-            <a:extLst>
-              <a:ext uri="{FF2B5EF4-FFF2-40B4-BE49-F238E27FC236}">
-                <a16:creationId xmlns:a16="http://schemas.microsoft.com/office/drawing/2014/main" id="{66973E77-C71F-C54A-9B26-3C27516D741B}"/>
-              </a:ext>
-            </a:extLst>
-          </p:cNvPr>
-          <p:cNvSpPr/>
-          <p:nvPr/>
-        </p:nvSpPr>
-        <p:spPr>
-          <a:xfrm flipV="1">
-            <a:off x="6104689" y="4017758"/>
-            <a:ext cx="1230394" cy="158673"/>
-          </a:xfrm>
-          <a:custGeom>
-            <a:avLst/>
-            <a:gdLst>
-              <a:gd name="connsiteX0" fmla="*/ 0 w 3048000"/>
-              <a:gd name="connsiteY0" fmla="*/ 203200 h 203200"/>
-              <a:gd name="connsiteX1" fmla="*/ 221673 w 3048000"/>
-              <a:gd name="connsiteY1" fmla="*/ 0 h 203200"/>
-              <a:gd name="connsiteX2" fmla="*/ 3048000 w 3048000"/>
-              <a:gd name="connsiteY2" fmla="*/ 0 h 203200"/>
-            </a:gdLst>
-            <a:ahLst/>
-            <a:cxnLst>
-              <a:cxn ang="0">
-                <a:pos x="connsiteX0" y="connsiteY0"/>
-              </a:cxn>
-              <a:cxn ang="0">
-                <a:pos x="connsiteX1" y="connsiteY1"/>
-              </a:cxn>
-              <a:cxn ang="0">
-                <a:pos x="connsiteX2" y="connsiteY2"/>
-              </a:cxn>
-            </a:cxnLst>
-            <a:rect l="l" t="t" r="r" b="b"/>
-            <a:pathLst>
-              <a:path w="3048000" h="203200">
-                <a:moveTo>
-                  <a:pt x="0" y="203200"/>
-                </a:moveTo>
-                <a:lnTo>
-                  <a:pt x="221673" y="0"/>
-                </a:lnTo>
-                <a:lnTo>
-                  <a:pt x="3048000" y="0"/>
-                </a:lnTo>
-              </a:path>
-            </a:pathLst>
-          </a:custGeom>
-          <a:noFill/>
-          <a:ln w="19050">
-            <a:solidFill>
-              <a:schemeClr val="accent3"/>
-            </a:solidFill>
-            <a:prstDash val="sysDot"/>
-            <a:headEnd type="none" w="med" len="med"/>
-            <a:tailEnd type="arrow" w="med" len="med"/>
-          </a:ln>
-          <a:effectLst/>
-        </p:spPr>
-        <p:style>
-          <a:lnRef idx="1">
-            <a:schemeClr val="accent2"/>
-          </a:lnRef>
-          <a:fillRef idx="2">
-            <a:schemeClr val="accent2"/>
-          </a:fillRef>
-          <a:effectRef idx="1">
-            <a:schemeClr val="accent2"/>
-          </a:effectRef>
-          <a:fontRef idx="minor">
-            <a:schemeClr val="dk1"/>
-          </a:fontRef>
-        </p:style>
-        <p:txBody>
-          <a:bodyPr rtlCol="0" anchor="ctr"/>
-          <a:lstStyle/>
-          <a:p>
-            <a:pPr algn="ctr"/>
-            <a:endParaRPr lang="en-SG" dirty="0"/>
-          </a:p>
-        </p:txBody>
-      </p:sp>
-    </p:spTree>
-    <p:extLst>
-      <p:ext uri="{BB962C8B-B14F-4D97-AF65-F5344CB8AC3E}">
-        <p14:creationId xmlns:p14="http://schemas.microsoft.com/office/powerpoint/2010/main" val="3094121677"/>
       </p:ext>
     </p:extLst>
   </p:cSld>
